--- a/STAT3013 Project draft2.pptx
+++ b/STAT3013 Project draft2.pptx
@@ -5,7 +5,7 @@
     <p:sldMasterId id="2147483648" r:id="rId1"/>
   </p:sldMasterIdLst>
   <p:notesMasterIdLst>
-    <p:notesMasterId r:id="rId24"/>
+    <p:notesMasterId r:id="rId26"/>
   </p:notesMasterIdLst>
   <p:sldIdLst>
     <p:sldId id="256" r:id="rId2"/>
@@ -23,13 +23,15 @@
     <p:sldId id="276" r:id="rId14"/>
     <p:sldId id="268" r:id="rId15"/>
     <p:sldId id="271" r:id="rId16"/>
-    <p:sldId id="272" r:id="rId17"/>
-    <p:sldId id="273" r:id="rId18"/>
-    <p:sldId id="274" r:id="rId19"/>
-    <p:sldId id="258" r:id="rId20"/>
+    <p:sldId id="273" r:id="rId17"/>
+    <p:sldId id="274" r:id="rId18"/>
+    <p:sldId id="258" r:id="rId19"/>
+    <p:sldId id="280" r:id="rId20"/>
     <p:sldId id="259" r:id="rId21"/>
     <p:sldId id="260" r:id="rId22"/>
     <p:sldId id="261" r:id="rId23"/>
+    <p:sldId id="278" r:id="rId24"/>
+    <p:sldId id="279" r:id="rId25"/>
   </p:sldIdLst>
   <p:sldSz cx="9144000" cy="6858000" type="screen4x3"/>
   <p:notesSz cx="6858000" cy="9144000"/>
@@ -213,7 +215,7 @@
           <a:p>
             <a:fld id="{3D14189E-669F-4446-8107-AA75AE2ACCE5}" type="datetimeFigureOut">
               <a:rPr lang="en-AU" smtClean="0"/>
-              <a:t>15/05/2016</a:t>
+              <a:t>16/05/16</a:t>
             </a:fld>
             <a:endParaRPr lang="en-AU"/>
           </a:p>
@@ -834,6 +836,742 @@
 </p:notes>
 </file>
 
+<file path=ppt/notesSlides/notesSlide12.xml><?xml version="1.0" encoding="utf-8"?>
+<p:notes xmlns:a="http://schemas.openxmlformats.org/drawingml/2006/main" xmlns:r="http://schemas.openxmlformats.org/officeDocument/2006/relationships" xmlns:p="http://schemas.openxmlformats.org/presentationml/2006/main">
+  <p:cSld>
+    <p:spTree>
+      <p:nvGrpSpPr>
+        <p:cNvPr id="1" name=""/>
+        <p:cNvGrpSpPr/>
+        <p:nvPr/>
+      </p:nvGrpSpPr>
+      <p:grpSpPr>
+        <a:xfrm>
+          <a:off x="0" y="0"/>
+          <a:ext cx="0" cy="0"/>
+          <a:chOff x="0" y="0"/>
+          <a:chExt cx="0" cy="0"/>
+        </a:xfrm>
+      </p:grpSpPr>
+      <p:sp>
+        <p:nvSpPr>
+          <p:cNvPr id="2" name="Slide Image Placeholder 1"/>
+          <p:cNvSpPr>
+            <a:spLocks noGrp="1" noRot="1" noChangeAspect="1"/>
+          </p:cNvSpPr>
+          <p:nvPr>
+            <p:ph type="sldImg"/>
+          </p:nvPr>
+        </p:nvSpPr>
+        <p:spPr/>
+      </p:sp>
+      <p:sp>
+        <p:nvSpPr>
+          <p:cNvPr id="3" name="Notes Placeholder 2"/>
+          <p:cNvSpPr>
+            <a:spLocks noGrp="1"/>
+          </p:cNvSpPr>
+          <p:nvPr>
+            <p:ph type="body" idx="1"/>
+          </p:nvPr>
+        </p:nvSpPr>
+        <p:spPr/>
+        <p:txBody>
+          <a:bodyPr/>
+          <a:lstStyle/>
+          <a:p>
+            <a:r>
+              <a:rPr lang="en-US" dirty="0" smtClean="0"/>
+              <a:t>Paper did not provide the data or code.</a:t>
+            </a:r>
+          </a:p>
+          <a:p>
+            <a:endParaRPr lang="en-US" dirty="0" smtClean="0"/>
+          </a:p>
+          <a:p>
+            <a:r>
+              <a:rPr lang="en-US" dirty="0" smtClean="0"/>
+              <a:t>As our extension, we looked at </a:t>
+            </a:r>
+            <a:r>
+              <a:rPr lang="en-US" dirty="0" err="1" smtClean="0"/>
+              <a:t>immunisation</a:t>
+            </a:r>
+            <a:r>
+              <a:rPr lang="en-US" dirty="0" smtClean="0"/>
+              <a:t> rates of</a:t>
+            </a:r>
+            <a:r>
+              <a:rPr lang="en-US" baseline="0" dirty="0" smtClean="0"/>
+              <a:t> children in Australia at the postcode level. We wanted to know if there was evidence of spatial clustering of high </a:t>
+            </a:r>
+            <a:r>
+              <a:rPr lang="en-US" baseline="0" dirty="0" err="1" smtClean="0"/>
+              <a:t>unimmunised</a:t>
+            </a:r>
+            <a:r>
+              <a:rPr lang="en-US" baseline="0" dirty="0" smtClean="0"/>
+              <a:t> children.</a:t>
+            </a:r>
+          </a:p>
+          <a:p>
+            <a:endParaRPr lang="en-US" baseline="0" dirty="0" smtClean="0"/>
+          </a:p>
+          <a:p>
+            <a:r>
+              <a:rPr lang="en-US" baseline="0" dirty="0" smtClean="0"/>
+              <a:t>Why is this important?</a:t>
+            </a:r>
+          </a:p>
+          <a:p>
+            <a:r>
+              <a:rPr lang="en-US" dirty="0" smtClean="0"/>
+              <a:t>We need</a:t>
+            </a:r>
+            <a:r>
+              <a:rPr lang="en-US" baseline="0" dirty="0" smtClean="0"/>
+              <a:t> to continue to improve vaccination rates in Australia to reach the 95% coverage goal. The 95% level is touted as providing herd immunity which is important to prevent the spread of disease and protect at risk groups that are not able to be </a:t>
+            </a:r>
+            <a:r>
+              <a:rPr lang="en-US" baseline="0" dirty="0" err="1" smtClean="0"/>
+              <a:t>immunised</a:t>
+            </a:r>
+            <a:r>
+              <a:rPr lang="en-US" baseline="0" dirty="0" smtClean="0"/>
+              <a:t>.</a:t>
+            </a:r>
+          </a:p>
+          <a:p>
+            <a:endParaRPr lang="en-US" dirty="0" smtClean="0"/>
+          </a:p>
+          <a:p>
+            <a:pPr marL="0" marR="0" indent="0" algn="l" defTabSz="914400" rtl="0" eaLnBrk="1" fontAlgn="auto" latinLnBrk="0" hangingPunct="1">
+              <a:lnSpc>
+                <a:spcPct val="100000"/>
+              </a:lnSpc>
+              <a:spcBef>
+                <a:spcPts val="0"/>
+              </a:spcBef>
+              <a:spcAft>
+                <a:spcPts val="0"/>
+              </a:spcAft>
+              <a:buClrTx/>
+              <a:buSzTx/>
+              <a:buFontTx/>
+              <a:buNone/>
+              <a:tabLst/>
+              <a:defRPr/>
+            </a:pPr>
+            <a:r>
+              <a:rPr lang="en-US" dirty="0" smtClean="0"/>
+              <a:t>In fact, there is some evidence</a:t>
+            </a:r>
+            <a:r>
+              <a:rPr lang="en-US" baseline="0" dirty="0" smtClean="0"/>
+              <a:t> that vaccination rates are decreasing in some areas with some serious consequences. </a:t>
+            </a:r>
+            <a:r>
+              <a:rPr lang="en-US" dirty="0" smtClean="0"/>
+              <a:t>There were outbreaks of measles cases in 2011 in Sydney high schools that have populations with low vaccination coverage. Measles</a:t>
+            </a:r>
+            <a:r>
+              <a:rPr lang="en-US" baseline="0" dirty="0" smtClean="0"/>
+              <a:t> cases have been increasing in Australia during the last decade.</a:t>
+            </a:r>
+          </a:p>
+          <a:p>
+            <a:pPr marL="0" marR="0" indent="0" algn="l" defTabSz="914400" rtl="0" eaLnBrk="1" fontAlgn="auto" latinLnBrk="0" hangingPunct="1">
+              <a:lnSpc>
+                <a:spcPct val="100000"/>
+              </a:lnSpc>
+              <a:spcBef>
+                <a:spcPts val="0"/>
+              </a:spcBef>
+              <a:spcAft>
+                <a:spcPts val="0"/>
+              </a:spcAft>
+              <a:buClrTx/>
+              <a:buSzTx/>
+              <a:buFontTx/>
+              <a:buNone/>
+              <a:tabLst/>
+              <a:defRPr/>
+            </a:pPr>
+            <a:endParaRPr lang="en-US" baseline="0" dirty="0" smtClean="0"/>
+          </a:p>
+          <a:p>
+            <a:pPr marL="0" marR="0" indent="0" algn="l" defTabSz="914400" rtl="0" eaLnBrk="1" fontAlgn="auto" latinLnBrk="0" hangingPunct="1">
+              <a:lnSpc>
+                <a:spcPct val="100000"/>
+              </a:lnSpc>
+              <a:spcBef>
+                <a:spcPts val="0"/>
+              </a:spcBef>
+              <a:spcAft>
+                <a:spcPts val="0"/>
+              </a:spcAft>
+              <a:buClrTx/>
+              <a:buSzTx/>
+              <a:buFontTx/>
+              <a:buNone/>
+              <a:tabLst/>
+              <a:defRPr/>
+            </a:pPr>
+            <a:r>
+              <a:rPr lang="en-US" dirty="0" smtClean="0"/>
+              <a:t>These and future outbreaks could be prevented by targeted education in areas of low vaccination coverage.</a:t>
+            </a:r>
+            <a:r>
+              <a:rPr lang="en-US" baseline="0" dirty="0" smtClean="0"/>
+              <a:t> </a:t>
+            </a:r>
+            <a:r>
+              <a:rPr lang="en-US" dirty="0" smtClean="0"/>
+              <a:t>Understand clustering will allow </a:t>
+            </a:r>
+            <a:r>
+              <a:rPr lang="en-US" dirty="0" err="1" smtClean="0"/>
+              <a:t>organisations</a:t>
+            </a:r>
+            <a:r>
+              <a:rPr lang="en-US" dirty="0" smtClean="0"/>
+              <a:t> to allocate</a:t>
+            </a:r>
+            <a:r>
+              <a:rPr lang="en-US" baseline="0" dirty="0" smtClean="0"/>
+              <a:t> funding effectively and target under-</a:t>
+            </a:r>
+            <a:r>
+              <a:rPr lang="en-US" baseline="0" dirty="0" err="1" smtClean="0"/>
+              <a:t>immunised</a:t>
+            </a:r>
+            <a:r>
+              <a:rPr lang="en-US" baseline="0" dirty="0" smtClean="0"/>
+              <a:t> areas. Looking at overall coverage of vaccination can be misleading and dangerous - it is important to know whether there are some communities where levels are low enough to increase the risk that some contagious diseases may spread.</a:t>
+            </a:r>
+            <a:endParaRPr lang="en-AU" dirty="0" smtClean="0"/>
+          </a:p>
+          <a:p>
+            <a:endParaRPr lang="en-US" dirty="0"/>
+          </a:p>
+        </p:txBody>
+      </p:sp>
+      <p:sp>
+        <p:nvSpPr>
+          <p:cNvPr id="4" name="Slide Number Placeholder 3"/>
+          <p:cNvSpPr>
+            <a:spLocks noGrp="1"/>
+          </p:cNvSpPr>
+          <p:nvPr>
+            <p:ph type="sldNum" sz="quarter" idx="10"/>
+          </p:nvPr>
+        </p:nvSpPr>
+        <p:spPr/>
+        <p:txBody>
+          <a:bodyPr/>
+          <a:lstStyle/>
+          <a:p>
+            <a:fld id="{D795D3F8-AA5B-4E58-9602-70EDB6AF1C76}" type="slidenum">
+              <a:rPr lang="en-AU" smtClean="0"/>
+              <a:t>15</a:t>
+            </a:fld>
+            <a:endParaRPr lang="en-AU" dirty="0"/>
+          </a:p>
+        </p:txBody>
+      </p:sp>
+    </p:spTree>
+    <p:extLst>
+      <p:ext uri="{BB962C8B-B14F-4D97-AF65-F5344CB8AC3E}">
+        <p14:creationId xmlns:p14="http://schemas.microsoft.com/office/powerpoint/2010/main" val="1441271580"/>
+      </p:ext>
+    </p:extLst>
+  </p:cSld>
+  <p:clrMapOvr>
+    <a:masterClrMapping/>
+  </p:clrMapOvr>
+</p:notes>
+</file>
+
+<file path=ppt/notesSlides/notesSlide13.xml><?xml version="1.0" encoding="utf-8"?>
+<p:notes xmlns:a="http://schemas.openxmlformats.org/drawingml/2006/main" xmlns:r="http://schemas.openxmlformats.org/officeDocument/2006/relationships" xmlns:p="http://schemas.openxmlformats.org/presentationml/2006/main">
+  <p:cSld>
+    <p:spTree>
+      <p:nvGrpSpPr>
+        <p:cNvPr id="1" name=""/>
+        <p:cNvGrpSpPr/>
+        <p:nvPr/>
+      </p:nvGrpSpPr>
+      <p:grpSpPr>
+        <a:xfrm>
+          <a:off x="0" y="0"/>
+          <a:ext cx="0" cy="0"/>
+          <a:chOff x="0" y="0"/>
+          <a:chExt cx="0" cy="0"/>
+        </a:xfrm>
+      </p:grpSpPr>
+      <p:sp>
+        <p:nvSpPr>
+          <p:cNvPr id="2" name="Slide Image Placeholder 1"/>
+          <p:cNvSpPr>
+            <a:spLocks noGrp="1" noRot="1" noChangeAspect="1"/>
+          </p:cNvSpPr>
+          <p:nvPr>
+            <p:ph type="sldImg"/>
+          </p:nvPr>
+        </p:nvSpPr>
+        <p:spPr/>
+      </p:sp>
+      <p:sp>
+        <p:nvSpPr>
+          <p:cNvPr id="3" name="Notes Placeholder 2"/>
+          <p:cNvSpPr>
+            <a:spLocks noGrp="1"/>
+          </p:cNvSpPr>
+          <p:nvPr>
+            <p:ph type="body" idx="1"/>
+          </p:nvPr>
+        </p:nvSpPr>
+        <p:spPr/>
+        <p:txBody>
+          <a:bodyPr/>
+          <a:lstStyle/>
+          <a:p>
+            <a:r>
+              <a:rPr lang="en-US" dirty="0" smtClean="0"/>
+              <a:t>As</a:t>
+            </a:r>
+            <a:r>
+              <a:rPr lang="en-US" baseline="0" dirty="0" smtClean="0"/>
+              <a:t> an indicator of general </a:t>
+            </a:r>
+            <a:r>
+              <a:rPr lang="en-US" baseline="0" dirty="0" err="1" smtClean="0"/>
+              <a:t>immunisation</a:t>
+            </a:r>
+            <a:r>
+              <a:rPr lang="en-US" baseline="0" dirty="0" smtClean="0"/>
+              <a:t> rates, we looked at counts of fully </a:t>
+            </a:r>
+            <a:r>
+              <a:rPr lang="en-US" baseline="0" dirty="0" err="1" smtClean="0"/>
+              <a:t>immunised</a:t>
+            </a:r>
+            <a:r>
+              <a:rPr lang="en-US" baseline="0" dirty="0" smtClean="0"/>
+              <a:t> and not fully </a:t>
+            </a:r>
+            <a:r>
+              <a:rPr lang="en-US" baseline="0" dirty="0" err="1" smtClean="0"/>
+              <a:t>immunised</a:t>
+            </a:r>
+            <a:r>
+              <a:rPr lang="en-US" baseline="0" dirty="0" smtClean="0"/>
+              <a:t> one year old children. We obtained postcode level data for these counts from the National Health Performance Authority, published freely online. Unfortunately, data was not published for postcodes with population of one year old children less than 100. </a:t>
+            </a:r>
+          </a:p>
+          <a:p>
+            <a:endParaRPr lang="en-US" baseline="0" dirty="0" smtClean="0"/>
+          </a:p>
+          <a:p>
+            <a:r>
+              <a:rPr lang="en-US" baseline="0" dirty="0" smtClean="0"/>
+              <a:t>Unlike the incidence of pediatric brain cancer in Florida, this data is binomially distributed. We had to adjust the model fitting.</a:t>
+            </a:r>
+          </a:p>
+          <a:p>
+            <a:endParaRPr lang="en-US" baseline="0" dirty="0" smtClean="0"/>
+          </a:p>
+          <a:p>
+            <a:r>
+              <a:rPr lang="en-US" baseline="0" dirty="0" smtClean="0"/>
+              <a:t>We took the geo-spatial data from the ABS postal areas, which is available in </a:t>
+            </a:r>
+            <a:r>
+              <a:rPr lang="en-US" baseline="0" dirty="0" err="1" smtClean="0"/>
+              <a:t>shapefile</a:t>
+            </a:r>
+            <a:r>
+              <a:rPr lang="en-US" baseline="0" dirty="0" smtClean="0"/>
+              <a:t> format from their website. </a:t>
+            </a:r>
+          </a:p>
+          <a:p>
+            <a:endParaRPr lang="en-US" baseline="0" dirty="0" smtClean="0"/>
+          </a:p>
+          <a:p>
+            <a:r>
+              <a:rPr lang="en-US" baseline="0" dirty="0" smtClean="0"/>
+              <a:t>There was no mention of which way </a:t>
+            </a:r>
+            <a:r>
+              <a:rPr lang="en-US" baseline="0" dirty="0" err="1" smtClean="0"/>
+              <a:t>neighbours</a:t>
+            </a:r>
+            <a:r>
+              <a:rPr lang="en-US" baseline="0" dirty="0" smtClean="0"/>
+              <a:t> should be generated in the original paper. We chose to make two postcodes </a:t>
+            </a:r>
+            <a:r>
+              <a:rPr lang="en-US" baseline="0" dirty="0" err="1" smtClean="0"/>
+              <a:t>neighbours</a:t>
+            </a:r>
+            <a:r>
+              <a:rPr lang="en-US" baseline="0" dirty="0" smtClean="0"/>
+              <a:t> if and only if they shared a boundary.</a:t>
+            </a:r>
+          </a:p>
+        </p:txBody>
+      </p:sp>
+      <p:sp>
+        <p:nvSpPr>
+          <p:cNvPr id="4" name="Slide Number Placeholder 3"/>
+          <p:cNvSpPr>
+            <a:spLocks noGrp="1"/>
+          </p:cNvSpPr>
+          <p:nvPr>
+            <p:ph type="sldNum" sz="quarter" idx="10"/>
+          </p:nvPr>
+        </p:nvSpPr>
+        <p:spPr/>
+        <p:txBody>
+          <a:bodyPr/>
+          <a:lstStyle/>
+          <a:p>
+            <a:fld id="{D795D3F8-AA5B-4E58-9602-70EDB6AF1C76}" type="slidenum">
+              <a:rPr lang="en-AU" smtClean="0"/>
+              <a:t>16</a:t>
+            </a:fld>
+            <a:endParaRPr lang="en-AU"/>
+          </a:p>
+        </p:txBody>
+      </p:sp>
+    </p:spTree>
+    <p:extLst>
+      <p:ext uri="{BB962C8B-B14F-4D97-AF65-F5344CB8AC3E}">
+        <p14:creationId xmlns:p14="http://schemas.microsoft.com/office/powerpoint/2010/main" val="3576167926"/>
+      </p:ext>
+    </p:extLst>
+  </p:cSld>
+  <p:clrMapOvr>
+    <a:masterClrMapping/>
+  </p:clrMapOvr>
+</p:notes>
+</file>
+
+<file path=ppt/notesSlides/notesSlide14.xml><?xml version="1.0" encoding="utf-8"?>
+<p:notes xmlns:a="http://schemas.openxmlformats.org/drawingml/2006/main" xmlns:r="http://schemas.openxmlformats.org/officeDocument/2006/relationships" xmlns:p="http://schemas.openxmlformats.org/presentationml/2006/main">
+  <p:cSld>
+    <p:spTree>
+      <p:nvGrpSpPr>
+        <p:cNvPr id="1" name=""/>
+        <p:cNvGrpSpPr/>
+        <p:nvPr/>
+      </p:nvGrpSpPr>
+      <p:grpSpPr>
+        <a:xfrm>
+          <a:off x="0" y="0"/>
+          <a:ext cx="0" cy="0"/>
+          <a:chOff x="0" y="0"/>
+          <a:chExt cx="0" cy="0"/>
+        </a:xfrm>
+      </p:grpSpPr>
+      <p:sp>
+        <p:nvSpPr>
+          <p:cNvPr id="2" name="Slide Image Placeholder 1"/>
+          <p:cNvSpPr>
+            <a:spLocks noGrp="1" noRot="1" noChangeAspect="1"/>
+          </p:cNvSpPr>
+          <p:nvPr>
+            <p:ph type="sldImg"/>
+          </p:nvPr>
+        </p:nvSpPr>
+        <p:spPr/>
+      </p:sp>
+      <p:sp>
+        <p:nvSpPr>
+          <p:cNvPr id="3" name="Notes Placeholder 2"/>
+          <p:cNvSpPr>
+            <a:spLocks noGrp="1"/>
+          </p:cNvSpPr>
+          <p:nvPr>
+            <p:ph type="body" idx="1"/>
+          </p:nvPr>
+        </p:nvSpPr>
+        <p:spPr/>
+        <p:txBody>
+          <a:bodyPr/>
+          <a:lstStyle/>
+          <a:p>
+            <a:r>
+              <a:rPr lang="en-US" dirty="0" err="1" smtClean="0"/>
+              <a:t>nation_wide_rate</a:t>
+            </a:r>
+            <a:r>
+              <a:rPr lang="en-US" baseline="0" dirty="0" smtClean="0"/>
+              <a:t>: </a:t>
+            </a:r>
+            <a:r>
+              <a:rPr lang="en-US" dirty="0" smtClean="0"/>
+              <a:t>0.08855657</a:t>
+            </a:r>
+          </a:p>
+          <a:p>
+            <a:endParaRPr lang="en-US" dirty="0" smtClean="0"/>
+          </a:p>
+          <a:p>
+            <a:r>
+              <a:rPr lang="en-US" dirty="0" smtClean="0"/>
+              <a:t>Postcode level summary:</a:t>
+            </a:r>
+          </a:p>
+          <a:p>
+            <a:r>
+              <a:rPr lang="en-US" dirty="0" smtClean="0"/>
+              <a:t> Min.   :0.02658   </a:t>
+            </a:r>
+          </a:p>
+          <a:p>
+            <a:r>
+              <a:rPr lang="en-US" dirty="0" smtClean="0"/>
+              <a:t> 1st Qu.:0.07015   </a:t>
+            </a:r>
+          </a:p>
+          <a:p>
+            <a:r>
+              <a:rPr lang="en-US" dirty="0" smtClean="0"/>
+              <a:t> Median :0.08930   </a:t>
+            </a:r>
+          </a:p>
+          <a:p>
+            <a:r>
+              <a:rPr lang="en-US" dirty="0" smtClean="0"/>
+              <a:t> Mean   :0.09696   </a:t>
+            </a:r>
+          </a:p>
+          <a:p>
+            <a:r>
+              <a:rPr lang="en-US" dirty="0" smtClean="0"/>
+              <a:t> 3rd Qu.:0.11298   </a:t>
+            </a:r>
+          </a:p>
+          <a:p>
+            <a:r>
+              <a:rPr lang="en-US" dirty="0" smtClean="0"/>
+              <a:t> Max.   :0.46296 </a:t>
+            </a:r>
+            <a:endParaRPr lang="en-US" dirty="0"/>
+          </a:p>
+        </p:txBody>
+      </p:sp>
+      <p:sp>
+        <p:nvSpPr>
+          <p:cNvPr id="4" name="Slide Number Placeholder 3"/>
+          <p:cNvSpPr>
+            <a:spLocks noGrp="1"/>
+          </p:cNvSpPr>
+          <p:nvPr>
+            <p:ph type="sldNum" sz="quarter" idx="10"/>
+          </p:nvPr>
+        </p:nvSpPr>
+        <p:spPr/>
+        <p:txBody>
+          <a:bodyPr/>
+          <a:lstStyle/>
+          <a:p>
+            <a:fld id="{D795D3F8-AA5B-4E58-9602-70EDB6AF1C76}" type="slidenum">
+              <a:rPr lang="en-AU" smtClean="0"/>
+              <a:t>17</a:t>
+            </a:fld>
+            <a:endParaRPr lang="en-AU"/>
+          </a:p>
+        </p:txBody>
+      </p:sp>
+    </p:spTree>
+    <p:extLst>
+      <p:ext uri="{BB962C8B-B14F-4D97-AF65-F5344CB8AC3E}">
+        <p14:creationId xmlns:p14="http://schemas.microsoft.com/office/powerpoint/2010/main" val="1530755661"/>
+      </p:ext>
+    </p:extLst>
+  </p:cSld>
+  <p:clrMapOvr>
+    <a:masterClrMapping/>
+  </p:clrMapOvr>
+</p:notes>
+</file>
+
+<file path=ppt/notesSlides/notesSlide15.xml><?xml version="1.0" encoding="utf-8"?>
+<p:notes xmlns:a="http://schemas.openxmlformats.org/drawingml/2006/main" xmlns:r="http://schemas.openxmlformats.org/officeDocument/2006/relationships" xmlns:p="http://schemas.openxmlformats.org/presentationml/2006/main">
+  <p:cSld>
+    <p:spTree>
+      <p:nvGrpSpPr>
+        <p:cNvPr id="1" name=""/>
+        <p:cNvGrpSpPr/>
+        <p:nvPr/>
+      </p:nvGrpSpPr>
+      <p:grpSpPr>
+        <a:xfrm>
+          <a:off x="0" y="0"/>
+          <a:ext cx="0" cy="0"/>
+          <a:chOff x="0" y="0"/>
+          <a:chExt cx="0" cy="0"/>
+        </a:xfrm>
+      </p:grpSpPr>
+      <p:sp>
+        <p:nvSpPr>
+          <p:cNvPr id="2" name="Slide Image Placeholder 1"/>
+          <p:cNvSpPr>
+            <a:spLocks noGrp="1" noRot="1" noChangeAspect="1"/>
+          </p:cNvSpPr>
+          <p:nvPr>
+            <p:ph type="sldImg"/>
+          </p:nvPr>
+        </p:nvSpPr>
+        <p:spPr/>
+      </p:sp>
+      <p:sp>
+        <p:nvSpPr>
+          <p:cNvPr id="3" name="Notes Placeholder 2"/>
+          <p:cNvSpPr>
+            <a:spLocks noGrp="1"/>
+          </p:cNvSpPr>
+          <p:nvPr>
+            <p:ph type="body" idx="1"/>
+          </p:nvPr>
+        </p:nvSpPr>
+        <p:spPr/>
+        <p:txBody>
+          <a:bodyPr/>
+          <a:lstStyle/>
+          <a:p>
+            <a:r>
+              <a:rPr lang="en-US" dirty="0" smtClean="0"/>
+              <a:t>We created two models,</a:t>
+            </a:r>
+            <a:r>
+              <a:rPr lang="en-US" baseline="0" dirty="0" smtClean="0"/>
+              <a:t> to allow us to make some comparisons between models.</a:t>
+            </a:r>
+          </a:p>
+          <a:p>
+            <a:endParaRPr lang="en-US" baseline="0" dirty="0" smtClean="0"/>
+          </a:p>
+          <a:p>
+            <a:r>
+              <a:rPr lang="en-US" baseline="0" dirty="0" err="1" smtClean="0"/>
+              <a:t>Mikkel</a:t>
+            </a:r>
+            <a:r>
+              <a:rPr lang="en-US" baseline="0" dirty="0" smtClean="0"/>
+              <a:t> – please elaborate:</a:t>
+            </a:r>
+          </a:p>
+          <a:p>
+            <a:r>
+              <a:rPr lang="en-US" baseline="0" dirty="0" smtClean="0"/>
+              <a:t>We created the basic </a:t>
+            </a:r>
+            <a:r>
+              <a:rPr lang="en-US" baseline="0" dirty="0" err="1" smtClean="0"/>
+              <a:t>iid</a:t>
+            </a:r>
+            <a:r>
+              <a:rPr lang="en-US" baseline="0" dirty="0" smtClean="0"/>
+              <a:t> model, which does not take geo-spatial </a:t>
+            </a:r>
+            <a:r>
+              <a:rPr lang="en-US" baseline="0" dirty="0" err="1" smtClean="0"/>
+              <a:t>neighbours</a:t>
+            </a:r>
+            <a:r>
+              <a:rPr lang="en-US" baseline="0" dirty="0" smtClean="0"/>
+              <a:t> into account.</a:t>
+            </a:r>
+          </a:p>
+          <a:p>
+            <a:endParaRPr lang="en-US" baseline="0" dirty="0" smtClean="0"/>
+          </a:p>
+          <a:p>
+            <a:r>
+              <a:rPr lang="en-US" baseline="0" dirty="0" smtClean="0"/>
+              <a:t>We also created a BYM model, similar to the BYM model in the original paper. </a:t>
+            </a:r>
+          </a:p>
+          <a:p>
+            <a:endParaRPr lang="en-US" baseline="0" dirty="0" smtClean="0"/>
+          </a:p>
+          <a:p>
+            <a:r>
+              <a:rPr lang="en-US" baseline="0" dirty="0" smtClean="0"/>
+              <a:t>We chose to not include the SPC model as our data did not contain zero counts. The SPC model is specifically designed for zero-count data by providing a second intercept to model this case. So this would actually be an unnecessarily complex and therefore worse model than the BYM for the </a:t>
+            </a:r>
+            <a:r>
+              <a:rPr lang="en-US" baseline="0" dirty="0" err="1" smtClean="0"/>
+              <a:t>immunisation</a:t>
+            </a:r>
+            <a:r>
+              <a:rPr lang="en-US" baseline="0" dirty="0" smtClean="0"/>
+              <a:t> data.</a:t>
+            </a:r>
+          </a:p>
+          <a:p>
+            <a:endParaRPr lang="en-US" baseline="0" dirty="0" smtClean="0"/>
+          </a:p>
+          <a:p>
+            <a:r>
+              <a:rPr lang="en-US" baseline="0" dirty="0" err="1" smtClean="0"/>
+              <a:t>Mikkel</a:t>
+            </a:r>
+            <a:r>
+              <a:rPr lang="en-US" baseline="0" dirty="0" smtClean="0"/>
+              <a:t> – please elaborate on INLA </a:t>
+            </a:r>
+            <a:r>
+              <a:rPr lang="en-US" baseline="0" dirty="0" err="1" smtClean="0"/>
+              <a:t>vs</a:t>
+            </a:r>
+            <a:r>
+              <a:rPr lang="en-US" baseline="0" dirty="0" smtClean="0"/>
+              <a:t> MCMC</a:t>
+            </a:r>
+          </a:p>
+        </p:txBody>
+      </p:sp>
+      <p:sp>
+        <p:nvSpPr>
+          <p:cNvPr id="4" name="Slide Number Placeholder 3"/>
+          <p:cNvSpPr>
+            <a:spLocks noGrp="1"/>
+          </p:cNvSpPr>
+          <p:nvPr>
+            <p:ph type="sldNum" sz="quarter" idx="10"/>
+          </p:nvPr>
+        </p:nvSpPr>
+        <p:spPr/>
+        <p:txBody>
+          <a:bodyPr/>
+          <a:lstStyle/>
+          <a:p>
+            <a:fld id="{D795D3F8-AA5B-4E58-9602-70EDB6AF1C76}" type="slidenum">
+              <a:rPr lang="en-AU" smtClean="0"/>
+              <a:t>18</a:t>
+            </a:fld>
+            <a:endParaRPr lang="en-AU"/>
+          </a:p>
+        </p:txBody>
+      </p:sp>
+    </p:spTree>
+    <p:extLst>
+      <p:ext uri="{BB962C8B-B14F-4D97-AF65-F5344CB8AC3E}">
+        <p14:creationId xmlns:p14="http://schemas.microsoft.com/office/powerpoint/2010/main" val="1705061339"/>
+      </p:ext>
+    </p:extLst>
+  </p:cSld>
+  <p:clrMapOvr>
+    <a:masterClrMapping/>
+  </p:clrMapOvr>
+</p:notes>
+</file>
+
 <file path=ppt/notesSlides/notesSlide2.xml><?xml version="1.0" encoding="utf-8"?>
 <p:notes xmlns:a="http://schemas.openxmlformats.org/drawingml/2006/main" xmlns:r="http://schemas.openxmlformats.org/officeDocument/2006/relationships" xmlns:p="http://schemas.openxmlformats.org/presentationml/2006/main">
   <p:cSld>
@@ -2448,7 +3186,7 @@
           <a:p>
             <a:fld id="{5C1DE6E1-CB5A-410F-AE1B-A0C634280F57}" type="datetimeFigureOut">
               <a:rPr lang="en-AU" smtClean="0"/>
-              <a:t>15/05/2016</a:t>
+              <a:t>16/05/16</a:t>
             </a:fld>
             <a:endParaRPr lang="en-AU"/>
           </a:p>
@@ -2618,7 +3356,7 @@
           <a:p>
             <a:fld id="{5C1DE6E1-CB5A-410F-AE1B-A0C634280F57}" type="datetimeFigureOut">
               <a:rPr lang="en-AU" smtClean="0"/>
-              <a:t>15/05/2016</a:t>
+              <a:t>16/05/16</a:t>
             </a:fld>
             <a:endParaRPr lang="en-AU"/>
           </a:p>
@@ -2798,7 +3536,7 @@
           <a:p>
             <a:fld id="{5C1DE6E1-CB5A-410F-AE1B-A0C634280F57}" type="datetimeFigureOut">
               <a:rPr lang="en-AU" smtClean="0"/>
-              <a:t>15/05/2016</a:t>
+              <a:t>16/05/16</a:t>
             </a:fld>
             <a:endParaRPr lang="en-AU"/>
           </a:p>
@@ -2968,7 +3706,7 @@
           <a:p>
             <a:fld id="{5C1DE6E1-CB5A-410F-AE1B-A0C634280F57}" type="datetimeFigureOut">
               <a:rPr lang="en-AU" smtClean="0"/>
-              <a:t>15/05/2016</a:t>
+              <a:t>16/05/16</a:t>
             </a:fld>
             <a:endParaRPr lang="en-AU"/>
           </a:p>
@@ -3214,7 +3952,7 @@
           <a:p>
             <a:fld id="{5C1DE6E1-CB5A-410F-AE1B-A0C634280F57}" type="datetimeFigureOut">
               <a:rPr lang="en-AU" smtClean="0"/>
-              <a:t>15/05/2016</a:t>
+              <a:t>16/05/16</a:t>
             </a:fld>
             <a:endParaRPr lang="en-AU"/>
           </a:p>
@@ -3502,7 +4240,7 @@
           <a:p>
             <a:fld id="{5C1DE6E1-CB5A-410F-AE1B-A0C634280F57}" type="datetimeFigureOut">
               <a:rPr lang="en-AU" smtClean="0"/>
-              <a:t>15/05/2016</a:t>
+              <a:t>16/05/16</a:t>
             </a:fld>
             <a:endParaRPr lang="en-AU"/>
           </a:p>
@@ -3924,7 +4662,7 @@
           <a:p>
             <a:fld id="{5C1DE6E1-CB5A-410F-AE1B-A0C634280F57}" type="datetimeFigureOut">
               <a:rPr lang="en-AU" smtClean="0"/>
-              <a:t>15/05/2016</a:t>
+              <a:t>16/05/16</a:t>
             </a:fld>
             <a:endParaRPr lang="en-AU"/>
           </a:p>
@@ -4042,7 +4780,7 @@
           <a:p>
             <a:fld id="{5C1DE6E1-CB5A-410F-AE1B-A0C634280F57}" type="datetimeFigureOut">
               <a:rPr lang="en-AU" smtClean="0"/>
-              <a:t>15/05/2016</a:t>
+              <a:t>16/05/16</a:t>
             </a:fld>
             <a:endParaRPr lang="en-AU"/>
           </a:p>
@@ -4137,7 +4875,7 @@
           <a:p>
             <a:fld id="{5C1DE6E1-CB5A-410F-AE1B-A0C634280F57}" type="datetimeFigureOut">
               <a:rPr lang="en-AU" smtClean="0"/>
-              <a:t>15/05/2016</a:t>
+              <a:t>16/05/16</a:t>
             </a:fld>
             <a:endParaRPr lang="en-AU"/>
           </a:p>
@@ -4414,7 +5152,7 @@
           <a:p>
             <a:fld id="{5C1DE6E1-CB5A-410F-AE1B-A0C634280F57}" type="datetimeFigureOut">
               <a:rPr lang="en-AU" smtClean="0"/>
-              <a:t>15/05/2016</a:t>
+              <a:t>16/05/16</a:t>
             </a:fld>
             <a:endParaRPr lang="en-AU"/>
           </a:p>
@@ -4667,7 +5405,7 @@
           <a:p>
             <a:fld id="{5C1DE6E1-CB5A-410F-AE1B-A0C634280F57}" type="datetimeFigureOut">
               <a:rPr lang="en-AU" smtClean="0"/>
-              <a:t>15/05/2016</a:t>
+              <a:t>16/05/16</a:t>
             </a:fld>
             <a:endParaRPr lang="en-AU"/>
           </a:p>
@@ -4880,7 +5618,7 @@
           <a:p>
             <a:fld id="{5C1DE6E1-CB5A-410F-AE1B-A0C634280F57}" type="datetimeFigureOut">
               <a:rPr lang="en-AU" smtClean="0"/>
-              <a:t>15/05/2016</a:t>
+              <a:t>16/05/16</a:t>
             </a:fld>
             <a:endParaRPr lang="en-AU"/>
           </a:p>
@@ -5346,7 +6084,7 @@
   <p:timing>
     <p:tnLst>
       <p:par>
-        <p:cTn id="1" dur="indefinite" restart="never" nodeType="tmRoot"/>
+        <p:cTn xmlns:p14="http://schemas.microsoft.com/office/powerpoint/2010/main" id="1" dur="indefinite" restart="never" nodeType="tmRoot"/>
       </p:par>
     </p:tnLst>
   </p:timing>
@@ -5640,14 +6378,14 @@
             <a:noFill/>
           </a:ln>
           <a:extLst>
-            <a:ext uri="{909E8E84-426E-40DD-AFC4-6F175D3DCCD1}">
+            <a:ext uri="{909E8E84-426E-40dd-AFC4-6F175D3DCCD1}">
               <a14:hiddenFill xmlns:a14="http://schemas.microsoft.com/office/drawing/2010/main">
                 <a:solidFill>
                   <a:schemeClr val="accent1"/>
                 </a:solidFill>
               </a14:hiddenFill>
             </a:ext>
-            <a:ext uri="{91240B29-F687-4F45-9708-019B960494DF}">
+            <a:ext uri="{91240B29-F687-4f45-9708-019B960494DF}">
               <a14:hiddenLine xmlns:a14="http://schemas.microsoft.com/office/drawing/2010/main" w="9525">
                 <a:solidFill>
                   <a:schemeClr val="tx1"/>
@@ -5694,14 +6432,14 @@
             <a:noFill/>
           </a:ln>
           <a:extLst>
-            <a:ext uri="{909E8E84-426E-40DD-AFC4-6F175D3DCCD1}">
+            <a:ext uri="{909E8E84-426E-40dd-AFC4-6F175D3DCCD1}">
               <a14:hiddenFill xmlns:a14="http://schemas.microsoft.com/office/drawing/2010/main">
                 <a:solidFill>
                   <a:schemeClr val="accent1"/>
                 </a:solidFill>
               </a14:hiddenFill>
             </a:ext>
-            <a:ext uri="{91240B29-F687-4F45-9708-019B960494DF}">
+            <a:ext uri="{91240B29-F687-4f45-9708-019B960494DF}">
               <a14:hiddenLine xmlns:a14="http://schemas.microsoft.com/office/drawing/2010/main" w="9525">
                 <a:solidFill>
                   <a:schemeClr val="tx1"/>
@@ -5748,14 +6486,14 @@
             <a:noFill/>
           </a:ln>
           <a:extLst>
-            <a:ext uri="{909E8E84-426E-40DD-AFC4-6F175D3DCCD1}">
+            <a:ext uri="{909E8E84-426E-40dd-AFC4-6F175D3DCCD1}">
               <a14:hiddenFill xmlns:a14="http://schemas.microsoft.com/office/drawing/2010/main">
                 <a:solidFill>
                   <a:schemeClr val="accent1"/>
                 </a:solidFill>
               </a14:hiddenFill>
             </a:ext>
-            <a:ext uri="{91240B29-F687-4F45-9708-019B960494DF}">
+            <a:ext uri="{91240B29-F687-4f45-9708-019B960494DF}">
               <a14:hiddenLine xmlns:a14="http://schemas.microsoft.com/office/drawing/2010/main" w="9525">
                 <a:solidFill>
                   <a:schemeClr val="tx1"/>
@@ -5802,14 +6540,14 @@
             <a:noFill/>
           </a:ln>
           <a:extLst>
-            <a:ext uri="{909E8E84-426E-40DD-AFC4-6F175D3DCCD1}">
+            <a:ext uri="{909E8E84-426E-40dd-AFC4-6F175D3DCCD1}">
               <a14:hiddenFill xmlns:a14="http://schemas.microsoft.com/office/drawing/2010/main">
                 <a:solidFill>
                   <a:schemeClr val="accent1"/>
                 </a:solidFill>
               </a14:hiddenFill>
             </a:ext>
-            <a:ext uri="{91240B29-F687-4F45-9708-019B960494DF}">
+            <a:ext uri="{91240B29-F687-4f45-9708-019B960494DF}">
               <a14:hiddenLine xmlns:a14="http://schemas.microsoft.com/office/drawing/2010/main" w="9525">
                 <a:solidFill>
                   <a:schemeClr val="tx1"/>
@@ -5835,7 +6573,7 @@
   <p:timing>
     <p:tnLst>
       <p:par>
-        <p:cTn id="1" dur="indefinite" restart="never" nodeType="tmRoot"/>
+        <p:cTn xmlns:p14="http://schemas.microsoft.com/office/powerpoint/2010/main" id="1" dur="indefinite" restart="never" nodeType="tmRoot"/>
       </p:par>
     </p:tnLst>
   </p:timing>
@@ -5918,14 +6656,14 @@
             <a:noFill/>
           </a:ln>
           <a:extLst>
-            <a:ext uri="{909E8E84-426E-40DD-AFC4-6F175D3DCCD1}">
+            <a:ext uri="{909E8E84-426E-40dd-AFC4-6F175D3DCCD1}">
               <a14:hiddenFill xmlns:a14="http://schemas.microsoft.com/office/drawing/2010/main">
                 <a:solidFill>
                   <a:schemeClr val="accent1"/>
                 </a:solidFill>
               </a14:hiddenFill>
             </a:ext>
-            <a:ext uri="{91240B29-F687-4F45-9708-019B960494DF}">
+            <a:ext uri="{91240B29-F687-4f45-9708-019B960494DF}">
               <a14:hiddenLine xmlns:a14="http://schemas.microsoft.com/office/drawing/2010/main" w="9525">
                 <a:solidFill>
                   <a:schemeClr val="tx1"/>
@@ -5951,7 +6689,7 @@
   <p:timing>
     <p:tnLst>
       <p:par>
-        <p:cTn id="1" dur="indefinite" restart="never" nodeType="tmRoot"/>
+        <p:cTn xmlns:p14="http://schemas.microsoft.com/office/powerpoint/2010/main" id="1" dur="indefinite" restart="never" nodeType="tmRoot"/>
       </p:par>
     </p:tnLst>
   </p:timing>
@@ -6032,14 +6770,14 @@
             <a:noFill/>
           </a:ln>
           <a:extLst>
-            <a:ext uri="{909E8E84-426E-40DD-AFC4-6F175D3DCCD1}">
+            <a:ext uri="{909E8E84-426E-40dd-AFC4-6F175D3DCCD1}">
               <a14:hiddenFill xmlns:a14="http://schemas.microsoft.com/office/drawing/2010/main">
                 <a:solidFill>
                   <a:schemeClr val="accent1"/>
                 </a:solidFill>
               </a14:hiddenFill>
             </a:ext>
-            <a:ext uri="{91240B29-F687-4F45-9708-019B960494DF}">
+            <a:ext uri="{91240B29-F687-4f45-9708-019B960494DF}">
               <a14:hiddenLine xmlns:a14="http://schemas.microsoft.com/office/drawing/2010/main" w="9525">
                 <a:solidFill>
                   <a:schemeClr val="tx1"/>
@@ -6065,7 +6803,7 @@
   <p:timing>
     <p:tnLst>
       <p:par>
-        <p:cTn id="1" dur="indefinite" restart="never" nodeType="tmRoot"/>
+        <p:cTn xmlns:p14="http://schemas.microsoft.com/office/powerpoint/2010/main" id="1" dur="indefinite" restart="never" nodeType="tmRoot"/>
       </p:par>
     </p:tnLst>
   </p:timing>
@@ -6146,14 +6884,14 @@
             <a:noFill/>
           </a:ln>
           <a:extLst>
-            <a:ext uri="{909E8E84-426E-40DD-AFC4-6F175D3DCCD1}">
+            <a:ext uri="{909E8E84-426E-40dd-AFC4-6F175D3DCCD1}">
               <a14:hiddenFill xmlns:a14="http://schemas.microsoft.com/office/drawing/2010/main">
                 <a:solidFill>
                   <a:schemeClr val="accent1"/>
                 </a:solidFill>
               </a14:hiddenFill>
             </a:ext>
-            <a:ext uri="{91240B29-F687-4F45-9708-019B960494DF}">
+            <a:ext uri="{91240B29-F687-4f45-9708-019B960494DF}">
               <a14:hiddenLine xmlns:a14="http://schemas.microsoft.com/office/drawing/2010/main" w="9525">
                 <a:solidFill>
                   <a:schemeClr val="tx1"/>
@@ -6179,7 +6917,7 @@
   <p:timing>
     <p:tnLst>
       <p:par>
-        <p:cTn id="1" dur="indefinite" restart="never" nodeType="tmRoot"/>
+        <p:cTn xmlns:p14="http://schemas.microsoft.com/office/powerpoint/2010/main" id="1" dur="indefinite" restart="never" nodeType="tmRoot"/>
       </p:par>
     </p:tnLst>
   </p:timing>
@@ -6296,14 +7034,14 @@
             <a:noFill/>
           </a:ln>
           <a:extLst>
-            <a:ext uri="{909E8E84-426E-40DD-AFC4-6F175D3DCCD1}">
+            <a:ext uri="{909E8E84-426E-40dd-AFC4-6F175D3DCCD1}">
               <a14:hiddenFill xmlns:a14="http://schemas.microsoft.com/office/drawing/2010/main">
                 <a:solidFill>
                   <a:schemeClr val="accent1"/>
                 </a:solidFill>
               </a14:hiddenFill>
             </a:ext>
-            <a:ext uri="{91240B29-F687-4F45-9708-019B960494DF}">
+            <a:ext uri="{91240B29-F687-4f45-9708-019B960494DF}">
               <a14:hiddenLine xmlns:a14="http://schemas.microsoft.com/office/drawing/2010/main" w="9525">
                 <a:solidFill>
                   <a:schemeClr val="tx1"/>
@@ -6329,7 +7067,7 @@
   <p:timing>
     <p:tnLst>
       <p:par>
-        <p:cTn id="1" dur="indefinite" restart="never" nodeType="tmRoot"/>
+        <p:cTn xmlns:p14="http://schemas.microsoft.com/office/powerpoint/2010/main" id="1" dur="indefinite" restart="never" nodeType="tmRoot"/>
       </p:par>
     </p:tnLst>
   </p:timing>
@@ -6365,33 +7103,65 @@
         </p:nvSpPr>
         <p:spPr/>
         <p:txBody>
-          <a:bodyPr/>
-          <a:lstStyle/>
-          <a:p>
+          <a:bodyPr>
+            <a:normAutofit fontScale="90000"/>
+          </a:bodyPr>
+          <a:lstStyle/>
+          <a:p>
+            <a:r>
+              <a:rPr lang="en-AU" dirty="0"/>
+              <a:t>Extension – Immunisation Rates in Australia</a:t>
+            </a:r>
+            <a:endParaRPr lang="en-AU" dirty="0"/>
+          </a:p>
+        </p:txBody>
+      </p:sp>
+      <p:sp>
+        <p:nvSpPr>
+          <p:cNvPr id="3" name="Content Placeholder 2"/>
+          <p:cNvSpPr>
+            <a:spLocks noGrp="1"/>
+          </p:cNvSpPr>
+          <p:nvPr>
+            <p:ph idx="1"/>
+          </p:nvPr>
+        </p:nvSpPr>
+        <p:spPr/>
+        <p:txBody>
+          <a:bodyPr/>
+          <a:lstStyle/>
+          <a:p>
+            <a:r>
+              <a:rPr lang="en-AU" dirty="0"/>
+              <a:t>Are there clustering of high unimmunised children in Australia</a:t>
+            </a:r>
             <a:r>
               <a:rPr lang="en-AU" dirty="0" smtClean="0"/>
-              <a:t>Extension</a:t>
+              <a:t>?</a:t>
+            </a:r>
+          </a:p>
+          <a:p>
+            <a:r>
+              <a:rPr lang="en-AU" dirty="0" smtClean="0"/>
+              <a:t>Vaccination rates need to continue to improve to reach the 95% coverage goal for herd immunity (reference).</a:t>
+            </a:r>
+          </a:p>
+          <a:p>
+            <a:r>
+              <a:rPr lang="en-US" dirty="0"/>
+              <a:t>Outbreaks of measles linked to low vaccination </a:t>
+            </a:r>
+            <a:r>
+              <a:rPr lang="en-US" dirty="0" smtClean="0"/>
+              <a:t>rates (reference).</a:t>
             </a:r>
             <a:endParaRPr lang="en-AU" dirty="0"/>
           </a:p>
-        </p:txBody>
-      </p:sp>
-      <p:sp>
-        <p:nvSpPr>
-          <p:cNvPr id="3" name="Content Placeholder 2"/>
-          <p:cNvSpPr>
-            <a:spLocks noGrp="1"/>
-          </p:cNvSpPr>
-          <p:nvPr>
-            <p:ph idx="1"/>
-          </p:nvPr>
-        </p:nvSpPr>
-        <p:spPr/>
-        <p:txBody>
-          <a:bodyPr/>
-          <a:lstStyle/>
-          <a:p>
-            <a:endParaRPr lang="en-AU"/>
+          <a:p>
+            <a:endParaRPr lang="en-AU" dirty="0"/>
+          </a:p>
+          <a:p>
+            <a:endParaRPr lang="en-AU" dirty="0"/>
           </a:p>
         </p:txBody>
       </p:sp>
@@ -6408,7 +7178,7 @@
   <p:timing>
     <p:tnLst>
       <p:par>
-        <p:cTn id="1" dur="indefinite" restart="never" nodeType="tmRoot"/>
+        <p:cTn xmlns:p14="http://schemas.microsoft.com/office/powerpoint/2010/main" id="1" dur="indefinite" restart="never" nodeType="tmRoot"/>
       </p:par>
     </p:tnLst>
   </p:timing>
@@ -6448,35 +7218,74 @@
           <a:lstStyle/>
           <a:p>
             <a:r>
+              <a:rPr lang="en-AU" dirty="0" smtClean="0"/>
+              <a:t>Extension - Data</a:t>
+            </a:r>
+            <a:endParaRPr lang="en-AU" dirty="0"/>
+          </a:p>
+        </p:txBody>
+      </p:sp>
+      <p:sp>
+        <p:nvSpPr>
+          <p:cNvPr id="3" name="Content Placeholder 2"/>
+          <p:cNvSpPr>
+            <a:spLocks noGrp="1"/>
+          </p:cNvSpPr>
+          <p:nvPr>
+            <p:ph idx="1"/>
+          </p:nvPr>
+        </p:nvSpPr>
+        <p:spPr/>
+        <p:txBody>
+          <a:bodyPr/>
+          <a:lstStyle/>
+          <a:p>
+            <a:r>
               <a:rPr lang="en-AU" dirty="0"/>
-              <a:t>Extension</a:t>
-            </a:r>
-          </a:p>
-        </p:txBody>
-      </p:sp>
-      <p:sp>
-        <p:nvSpPr>
-          <p:cNvPr id="3" name="Content Placeholder 2"/>
-          <p:cNvSpPr>
-            <a:spLocks noGrp="1"/>
-          </p:cNvSpPr>
-          <p:nvPr>
-            <p:ph idx="1"/>
-          </p:nvPr>
-        </p:nvSpPr>
-        <p:spPr/>
-        <p:txBody>
-          <a:bodyPr/>
-          <a:lstStyle/>
-          <a:p>
-            <a:endParaRPr lang="en-AU"/>
+              <a:t>C</a:t>
+            </a:r>
+            <a:r>
+              <a:rPr lang="en-AU" dirty="0" smtClean="0"/>
+              <a:t>ounts of immunised and non-immunised 1 year old children at the postcode level (reference).</a:t>
+            </a:r>
+          </a:p>
+          <a:p>
+            <a:r>
+              <a:rPr lang="en-AU" dirty="0" smtClean="0"/>
+              <a:t>Binomially distributed.</a:t>
+            </a:r>
+          </a:p>
+          <a:p>
+            <a:r>
+              <a:rPr lang="en-AU" dirty="0"/>
+              <a:t>ABS </a:t>
+            </a:r>
+            <a:r>
+              <a:rPr lang="en-AU" dirty="0" smtClean="0"/>
+              <a:t>Postal Areas </a:t>
+            </a:r>
+            <a:r>
+              <a:rPr lang="en-AU" dirty="0" err="1" smtClean="0"/>
+              <a:t>Shapefile</a:t>
+            </a:r>
+            <a:r>
+              <a:rPr lang="en-AU" dirty="0" smtClean="0"/>
+              <a:t> (reference).</a:t>
+            </a:r>
+            <a:endParaRPr lang="en-AU" dirty="0"/>
+          </a:p>
+          <a:p>
+            <a:endParaRPr lang="en-AU" dirty="0"/>
+          </a:p>
+          <a:p>
+            <a:endParaRPr lang="en-AU" dirty="0"/>
           </a:p>
         </p:txBody>
       </p:sp>
     </p:spTree>
     <p:extLst>
       <p:ext uri="{BB962C8B-B14F-4D97-AF65-F5344CB8AC3E}">
-        <p14:creationId xmlns:p14="http://schemas.microsoft.com/office/powerpoint/2010/main" val="987707756"/>
+        <p14:creationId xmlns:p14="http://schemas.microsoft.com/office/powerpoint/2010/main" val="626910422"/>
       </p:ext>
     </p:extLst>
   </p:cSld>
@@ -6486,7 +7295,7 @@
   <p:timing>
     <p:tnLst>
       <p:par>
-        <p:cTn id="1" dur="indefinite" restart="never" nodeType="tmRoot"/>
+        <p:cTn xmlns:p14="http://schemas.microsoft.com/office/powerpoint/2010/main" id="1" dur="indefinite" restart="never" nodeType="tmRoot"/>
       </p:par>
     </p:tnLst>
   </p:timing>
@@ -6526,35 +7335,42 @@
           <a:lstStyle/>
           <a:p>
             <a:r>
-              <a:rPr lang="en-AU" dirty="0"/>
-              <a:t>Extension</a:t>
-            </a:r>
-          </a:p>
-        </p:txBody>
-      </p:sp>
-      <p:sp>
-        <p:nvSpPr>
-          <p:cNvPr id="3" name="Content Placeholder 2"/>
-          <p:cNvSpPr>
-            <a:spLocks noGrp="1"/>
-          </p:cNvSpPr>
+              <a:rPr lang="en-AU" dirty="0" smtClean="0"/>
+              <a:t>Extension – Data Visualisation</a:t>
+            </a:r>
+            <a:endParaRPr lang="en-AU" dirty="0"/>
+          </a:p>
+        </p:txBody>
+      </p:sp>
+      <p:pic>
+        <p:nvPicPr>
+          <p:cNvPr id="4" name="Content Placeholder 3" descr="Histogram.png"/>
+          <p:cNvPicPr>
+            <a:picLocks noGrp="1" noChangeAspect="1"/>
+          </p:cNvPicPr>
           <p:nvPr>
             <p:ph idx="1"/>
           </p:nvPr>
-        </p:nvSpPr>
-        <p:spPr/>
-        <p:txBody>
-          <a:bodyPr/>
-          <a:lstStyle/>
-          <a:p>
-            <a:endParaRPr lang="en-AU"/>
-          </a:p>
-        </p:txBody>
-      </p:sp>
+        </p:nvPicPr>
+        <p:blipFill>
+          <a:blip r:embed="rId3">
+            <a:extLst>
+              <a:ext uri="{28A0092B-C50C-407E-A947-70E740481C1C}">
+                <a14:useLocalDpi xmlns:a14="http://schemas.microsoft.com/office/drawing/2010/main" val="0"/>
+              </a:ext>
+            </a:extLst>
+          </a:blip>
+          <a:srcRect t="11728" b="11728"/>
+          <a:stretch>
+            <a:fillRect/>
+          </a:stretch>
+        </p:blipFill>
+        <p:spPr/>
+      </p:pic>
     </p:spTree>
     <p:extLst>
       <p:ext uri="{BB962C8B-B14F-4D97-AF65-F5344CB8AC3E}">
-        <p14:creationId xmlns:p14="http://schemas.microsoft.com/office/powerpoint/2010/main" val="626910422"/>
+        <p14:creationId xmlns:p14="http://schemas.microsoft.com/office/powerpoint/2010/main" val="2856174607"/>
       </p:ext>
     </p:extLst>
   </p:cSld>
@@ -6564,7 +7380,7 @@
   <p:timing>
     <p:tnLst>
       <p:par>
-        <p:cTn id="1" dur="indefinite" restart="never" nodeType="tmRoot"/>
+        <p:cTn xmlns:p14="http://schemas.microsoft.com/office/powerpoint/2010/main" id="1" dur="indefinite" restart="never" nodeType="tmRoot"/>
       </p:par>
     </p:tnLst>
   </p:timing>
@@ -6604,9 +7420,10 @@
           <a:lstStyle/>
           <a:p>
             <a:r>
-              <a:rPr lang="en-AU" dirty="0"/>
-              <a:t>Extension</a:t>
-            </a:r>
+              <a:rPr lang="en-AU" dirty="0" smtClean="0"/>
+              <a:t>Extension - Models</a:t>
+            </a:r>
+            <a:endParaRPr lang="en-AU" dirty="0"/>
           </a:p>
         </p:txBody>
       </p:sp>
@@ -6625,14 +7442,44 @@
           <a:bodyPr/>
           <a:lstStyle/>
           <a:p>
-            <a:endParaRPr lang="en-AU"/>
+            <a:r>
+              <a:rPr lang="en-AU" dirty="0" smtClean="0"/>
+              <a:t>Basic </a:t>
+            </a:r>
+            <a:r>
+              <a:rPr lang="en-AU" dirty="0" err="1" smtClean="0"/>
+              <a:t>iid</a:t>
+            </a:r>
+            <a:r>
+              <a:rPr lang="en-AU" dirty="0" smtClean="0"/>
+              <a:t> model</a:t>
+            </a:r>
+          </a:p>
+          <a:p>
+            <a:r>
+              <a:rPr lang="en-AU" dirty="0" smtClean="0"/>
+              <a:t>BYM model</a:t>
+            </a:r>
+          </a:p>
+          <a:p>
+            <a:r>
+              <a:rPr lang="en-AU" dirty="0" smtClean="0"/>
+              <a:t>SPC model not used.</a:t>
+            </a:r>
+          </a:p>
+          <a:p>
+            <a:r>
+              <a:rPr lang="en-AU" dirty="0" smtClean="0"/>
+              <a:t>INLA instead of MCMC</a:t>
+            </a:r>
+            <a:endParaRPr lang="en-AU" dirty="0"/>
           </a:p>
         </p:txBody>
       </p:sp>
     </p:spTree>
     <p:extLst>
       <p:ext uri="{BB962C8B-B14F-4D97-AF65-F5344CB8AC3E}">
-        <p14:creationId xmlns:p14="http://schemas.microsoft.com/office/powerpoint/2010/main" val="2856174607"/>
+        <p14:creationId xmlns:p14="http://schemas.microsoft.com/office/powerpoint/2010/main" val="980945588"/>
       </p:ext>
     </p:extLst>
   </p:cSld>
@@ -6642,7 +7489,7 @@
   <p:timing>
     <p:tnLst>
       <p:par>
-        <p:cTn id="1" dur="indefinite" restart="never" nodeType="tmRoot"/>
+        <p:cTn xmlns:p14="http://schemas.microsoft.com/office/powerpoint/2010/main" id="1" dur="indefinite" restart="never" nodeType="tmRoot"/>
       </p:par>
     </p:tnLst>
   </p:timing>
@@ -6682,9 +7529,10 @@
           <a:lstStyle/>
           <a:p>
             <a:r>
-              <a:rPr lang="en-AU" dirty="0"/>
-              <a:t>Extension</a:t>
-            </a:r>
+              <a:rPr lang="en-US" dirty="0" smtClean="0"/>
+              <a:t>Extension - Results</a:t>
+            </a:r>
+            <a:endParaRPr lang="en-US" dirty="0"/>
           </a:p>
         </p:txBody>
       </p:sp>
@@ -6703,27 +7551,30 @@
           <a:bodyPr/>
           <a:lstStyle/>
           <a:p>
-            <a:endParaRPr lang="en-AU"/>
+            <a:r>
+              <a:rPr lang="en-US" dirty="0" smtClean="0"/>
+              <a:t>Clustering around Byron Bay and Lismore, around Sunshine Coast Hinterland, </a:t>
+            </a:r>
+          </a:p>
+          <a:p>
+            <a:r>
+              <a:rPr lang="en-US" smtClean="0"/>
+              <a:t>Expand</a:t>
+            </a:r>
+            <a:endParaRPr lang="en-US"/>
           </a:p>
         </p:txBody>
       </p:sp>
     </p:spTree>
     <p:extLst>
       <p:ext uri="{BB962C8B-B14F-4D97-AF65-F5344CB8AC3E}">
-        <p14:creationId xmlns:p14="http://schemas.microsoft.com/office/powerpoint/2010/main" val="980945588"/>
+        <p14:creationId xmlns:p14="http://schemas.microsoft.com/office/powerpoint/2010/main" val="3804757622"/>
       </p:ext>
     </p:extLst>
   </p:cSld>
   <p:clrMapOvr>
     <a:masterClrMapping/>
   </p:clrMapOvr>
-  <p:timing>
-    <p:tnLst>
-      <p:par>
-        <p:cTn id="1" dur="indefinite" restart="never" nodeType="tmRoot"/>
-      </p:par>
-    </p:tnLst>
-  </p:timing>
 </p:sld>
 </file>
 
@@ -6868,7 +7719,7 @@
   <p:timing>
     <p:tnLst>
       <p:par>
-        <p:cTn id="1" dur="indefinite" restart="never" nodeType="tmRoot"/>
+        <p:cTn xmlns:p14="http://schemas.microsoft.com/office/powerpoint/2010/main" id="1" dur="indefinite" restart="never" nodeType="tmRoot"/>
       </p:par>
     </p:tnLst>
   </p:timing>
@@ -6904,13 +7755,16 @@
         </p:nvSpPr>
         <p:spPr/>
         <p:txBody>
-          <a:bodyPr/>
-          <a:lstStyle/>
-          <a:p>
-            <a:r>
-              <a:rPr lang="en-AU" dirty="0"/>
-              <a:t>Extension</a:t>
-            </a:r>
+          <a:bodyPr>
+            <a:normAutofit fontScale="90000"/>
+          </a:bodyPr>
+          <a:lstStyle/>
+          <a:p>
+            <a:r>
+              <a:rPr lang="en-AU" dirty="0" smtClean="0"/>
+              <a:t>Extension – Comparisons between models</a:t>
+            </a:r>
+            <a:endParaRPr lang="en-AU" dirty="0"/>
           </a:p>
         </p:txBody>
       </p:sp>
@@ -6929,7 +7783,11 @@
           <a:bodyPr/>
           <a:lstStyle/>
           <a:p>
-            <a:endParaRPr lang="en-AU"/>
+            <a:r>
+              <a:rPr lang="en-AU" dirty="0" smtClean="0"/>
+              <a:t>DIC and WAIC</a:t>
+            </a:r>
+            <a:endParaRPr lang="en-AU" dirty="0"/>
           </a:p>
         </p:txBody>
       </p:sp>
@@ -6946,7 +7804,7 @@
   <p:timing>
     <p:tnLst>
       <p:par>
-        <p:cTn id="1" dur="indefinite" restart="never" nodeType="tmRoot"/>
+        <p:cTn xmlns:p14="http://schemas.microsoft.com/office/powerpoint/2010/main" id="1" dur="indefinite" restart="never" nodeType="tmRoot"/>
       </p:par>
     </p:tnLst>
   </p:timing>
@@ -6986,9 +7844,10 @@
           <a:lstStyle/>
           <a:p>
             <a:r>
-              <a:rPr lang="en-AU" dirty="0"/>
-              <a:t>Extension</a:t>
-            </a:r>
+              <a:rPr lang="en-AU" dirty="0" smtClean="0"/>
+              <a:t>Extension - Limitations</a:t>
+            </a:r>
+            <a:endParaRPr lang="en-AU" dirty="0"/>
           </a:p>
         </p:txBody>
       </p:sp>
@@ -7007,7 +7866,27 @@
           <a:bodyPr/>
           <a:lstStyle/>
           <a:p>
-            <a:endParaRPr lang="en-AU"/>
+            <a:r>
+              <a:rPr lang="en-AU" dirty="0" smtClean="0"/>
+              <a:t>Large numbers of postal codes, data not published</a:t>
+            </a:r>
+          </a:p>
+          <a:p>
+            <a:r>
+              <a:rPr lang="en-AU" dirty="0" smtClean="0"/>
+              <a:t>Sparseness</a:t>
+            </a:r>
+          </a:p>
+          <a:p>
+            <a:r>
+              <a:rPr lang="en-AU" dirty="0" smtClean="0"/>
+              <a:t>The BYM model would be best for exactly the dat</a:t>
+            </a:r>
+            <a:r>
+              <a:rPr lang="en-AU" dirty="0" smtClean="0"/>
+              <a:t>a that was not published</a:t>
+            </a:r>
+            <a:endParaRPr lang="en-AU" dirty="0"/>
           </a:p>
         </p:txBody>
       </p:sp>
@@ -7024,7 +7903,7 @@
   <p:timing>
     <p:tnLst>
       <p:par>
-        <p:cTn id="1" dur="indefinite" restart="never" nodeType="tmRoot"/>
+        <p:cTn xmlns:p14="http://schemas.microsoft.com/office/powerpoint/2010/main" id="1" dur="indefinite" restart="never" nodeType="tmRoot"/>
       </p:par>
     </p:tnLst>
   </p:timing>
@@ -7103,10 +7982,187 @@
   <p:timing>
     <p:tnLst>
       <p:par>
-        <p:cTn id="1" dur="indefinite" restart="never" nodeType="tmRoot"/>
+        <p:cTn xmlns:p14="http://schemas.microsoft.com/office/powerpoint/2010/main" id="1" dur="indefinite" restart="never" nodeType="tmRoot"/>
       </p:par>
     </p:tnLst>
   </p:timing>
+</p:sld>
+</file>
+
+<file path=ppt/slides/slide23.xml><?xml version="1.0" encoding="utf-8"?>
+<p:sld xmlns:a="http://schemas.openxmlformats.org/drawingml/2006/main" xmlns:r="http://schemas.openxmlformats.org/officeDocument/2006/relationships" xmlns:p="http://schemas.openxmlformats.org/presentationml/2006/main">
+  <p:cSld>
+    <p:spTree>
+      <p:nvGrpSpPr>
+        <p:cNvPr id="1" name=""/>
+        <p:cNvGrpSpPr/>
+        <p:nvPr/>
+      </p:nvGrpSpPr>
+      <p:grpSpPr>
+        <a:xfrm>
+          <a:off x="0" y="0"/>
+          <a:ext cx="0" cy="0"/>
+          <a:chOff x="0" y="0"/>
+          <a:chExt cx="0" cy="0"/>
+        </a:xfrm>
+      </p:grpSpPr>
+      <p:sp>
+        <p:nvSpPr>
+          <p:cNvPr id="2" name="Title 1"/>
+          <p:cNvSpPr>
+            <a:spLocks noGrp="1"/>
+          </p:cNvSpPr>
+          <p:nvPr>
+            <p:ph type="title"/>
+          </p:nvPr>
+        </p:nvSpPr>
+        <p:spPr/>
+        <p:txBody>
+          <a:bodyPr/>
+          <a:lstStyle/>
+          <a:p>
+            <a:r>
+              <a:rPr lang="en-US" dirty="0" smtClean="0"/>
+              <a:t>References</a:t>
+            </a:r>
+            <a:endParaRPr lang="en-US" dirty="0"/>
+          </a:p>
+        </p:txBody>
+      </p:sp>
+      <p:sp>
+        <p:nvSpPr>
+          <p:cNvPr id="3" name="Content Placeholder 2"/>
+          <p:cNvSpPr>
+            <a:spLocks noGrp="1"/>
+          </p:cNvSpPr>
+          <p:nvPr>
+            <p:ph idx="1"/>
+          </p:nvPr>
+        </p:nvSpPr>
+        <p:spPr/>
+        <p:txBody>
+          <a:bodyPr/>
+          <a:lstStyle/>
+          <a:p>
+            <a:r>
+              <a:rPr lang="en-US" dirty="0" smtClean="0"/>
+              <a:t>To add:</a:t>
+            </a:r>
+          </a:p>
+          <a:p>
+            <a:pPr lvl="1"/>
+            <a:r>
+              <a:rPr lang="en-US" dirty="0" smtClean="0"/>
+              <a:t>Reference to paper in the heading</a:t>
+            </a:r>
+          </a:p>
+          <a:p>
+            <a:pPr lvl="1"/>
+            <a:r>
+              <a:rPr lang="en-US" dirty="0" smtClean="0"/>
+              <a:t>Reference to data for extension</a:t>
+            </a:r>
+          </a:p>
+          <a:p>
+            <a:pPr lvl="1"/>
+            <a:r>
+              <a:rPr lang="en-US" dirty="0" smtClean="0"/>
+              <a:t>References to motivation for </a:t>
+            </a:r>
+            <a:r>
+              <a:rPr lang="en-US" dirty="0" err="1" smtClean="0"/>
+              <a:t>immunisation</a:t>
+            </a:r>
+            <a:endParaRPr lang="en-US" dirty="0"/>
+          </a:p>
+        </p:txBody>
+      </p:sp>
+    </p:spTree>
+    <p:extLst>
+      <p:ext uri="{BB962C8B-B14F-4D97-AF65-F5344CB8AC3E}">
+        <p14:creationId xmlns:p14="http://schemas.microsoft.com/office/powerpoint/2010/main" val="894758886"/>
+      </p:ext>
+    </p:extLst>
+  </p:cSld>
+  <p:clrMapOvr>
+    <a:masterClrMapping/>
+  </p:clrMapOvr>
+</p:sld>
+</file>
+
+<file path=ppt/slides/slide24.xml><?xml version="1.0" encoding="utf-8"?>
+<p:sld xmlns:a="http://schemas.openxmlformats.org/drawingml/2006/main" xmlns:r="http://schemas.openxmlformats.org/officeDocument/2006/relationships" xmlns:p="http://schemas.openxmlformats.org/presentationml/2006/main">
+  <p:cSld>
+    <p:spTree>
+      <p:nvGrpSpPr>
+        <p:cNvPr id="1" name=""/>
+        <p:cNvGrpSpPr/>
+        <p:nvPr/>
+      </p:nvGrpSpPr>
+      <p:grpSpPr>
+        <a:xfrm>
+          <a:off x="0" y="0"/>
+          <a:ext cx="0" cy="0"/>
+          <a:chOff x="0" y="0"/>
+          <a:chExt cx="0" cy="0"/>
+        </a:xfrm>
+      </p:grpSpPr>
+      <p:sp>
+        <p:nvSpPr>
+          <p:cNvPr id="2" name="Title 1"/>
+          <p:cNvSpPr>
+            <a:spLocks noGrp="1"/>
+          </p:cNvSpPr>
+          <p:nvPr>
+            <p:ph type="ctrTitle"/>
+          </p:nvPr>
+        </p:nvSpPr>
+        <p:spPr/>
+        <p:txBody>
+          <a:bodyPr/>
+          <a:lstStyle/>
+          <a:p>
+            <a:r>
+              <a:rPr lang="en-US" dirty="0" smtClean="0"/>
+              <a:t>Questions?</a:t>
+            </a:r>
+            <a:endParaRPr lang="en-US" dirty="0"/>
+          </a:p>
+        </p:txBody>
+      </p:sp>
+      <p:sp>
+        <p:nvSpPr>
+          <p:cNvPr id="4" name="Subtitle 3"/>
+          <p:cNvSpPr>
+            <a:spLocks noGrp="1"/>
+          </p:cNvSpPr>
+          <p:nvPr>
+            <p:ph type="subTitle" idx="1"/>
+          </p:nvPr>
+        </p:nvSpPr>
+        <p:spPr/>
+        <p:txBody>
+          <a:bodyPr/>
+          <a:lstStyle/>
+          <a:p>
+            <a:r>
+              <a:rPr lang="en-US" dirty="0" smtClean="0"/>
+              <a:t>Thank you!</a:t>
+            </a:r>
+            <a:endParaRPr lang="en-US" dirty="0"/>
+          </a:p>
+        </p:txBody>
+      </p:sp>
+    </p:spTree>
+    <p:extLst>
+      <p:ext uri="{BB962C8B-B14F-4D97-AF65-F5344CB8AC3E}">
+        <p14:creationId xmlns:p14="http://schemas.microsoft.com/office/powerpoint/2010/main" val="1916012831"/>
+      </p:ext>
+    </p:extLst>
+  </p:cSld>
+  <p:clrMapOvr>
+    <a:masterClrMapping/>
+  </p:clrMapOvr>
 </p:sld>
 </file>
 
@@ -7233,7 +8289,7 @@
   <p:timing>
     <p:tnLst>
       <p:par>
-        <p:cTn id="1" dur="indefinite" restart="never" nodeType="tmRoot"/>
+        <p:cTn xmlns:p14="http://schemas.microsoft.com/office/powerpoint/2010/main" id="1" dur="indefinite" restart="never" nodeType="tmRoot"/>
       </p:par>
     </p:tnLst>
   </p:timing>
@@ -7391,11 +8447,7 @@
             </a:r>
             <a:r>
               <a:rPr lang="en-AU" sz="2400" dirty="0" smtClean="0"/>
-              <a:t> </a:t>
-            </a:r>
-            <a:r>
-              <a:rPr lang="en-AU" sz="2400" dirty="0" smtClean="0"/>
-              <a:t>is the number of cases within the </a:t>
+              <a:t> is the number of cases within the </a:t>
             </a:r>
             <a:r>
               <a:rPr lang="en-AU" sz="2400" dirty="0" err="1" smtClean="0"/>
@@ -7403,11 +8455,7 @@
             </a:r>
             <a:r>
               <a:rPr lang="en-AU" sz="2400" dirty="0" smtClean="0"/>
-              <a:t> area</a:t>
-            </a:r>
-            <a:r>
-              <a:rPr lang="en-AU" sz="2400" dirty="0" smtClean="0"/>
-              <a:t>,</a:t>
+              <a:t> area,</a:t>
             </a:r>
           </a:p>
           <a:p>
@@ -7435,7 +8483,6 @@
               <a:rPr lang="en-AU" sz="2400" dirty="0" smtClean="0"/>
               <a:t> area, </a:t>
             </a:r>
-            <a:endParaRPr lang="en-AU" sz="2400" dirty="0" smtClean="0"/>
           </a:p>
           <a:p>
             <a:r>
@@ -7470,16 +8517,11 @@
               <a:rPr lang="en-AU" sz="2400" dirty="0" smtClean="0"/>
               <a:t>area, </a:t>
             </a:r>
-            <a:endParaRPr lang="en-AU" sz="2400" dirty="0" smtClean="0"/>
           </a:p>
           <a:p>
             <a:r>
               <a:rPr lang="en-AU" sz="2400" dirty="0" smtClean="0"/>
-              <a:t>and </a:t>
-            </a:r>
-            <a:r>
-              <a:rPr lang="en-AU" sz="2400" dirty="0" smtClean="0"/>
-              <a:t>y</a:t>
+              <a:t>and y</a:t>
             </a:r>
             <a:r>
               <a:rPr lang="en-AU" sz="2400" baseline="-25000" dirty="0" smtClean="0"/>
@@ -7565,14 +8607,14 @@
             <a:noFill/>
           </a:ln>
           <a:extLst>
-            <a:ext uri="{909E8E84-426E-40DD-AFC4-6F175D3DCCD1}">
+            <a:ext uri="{909E8E84-426E-40dd-AFC4-6F175D3DCCD1}">
               <a14:hiddenFill xmlns:a14="http://schemas.microsoft.com/office/drawing/2010/main">
                 <a:solidFill>
                   <a:schemeClr val="accent1"/>
                 </a:solidFill>
               </a14:hiddenFill>
             </a:ext>
-            <a:ext uri="{91240B29-F687-4F45-9708-019B960494DF}">
+            <a:ext uri="{91240B29-F687-4f45-9708-019B960494DF}">
               <a14:hiddenLine xmlns:a14="http://schemas.microsoft.com/office/drawing/2010/main" w="9525">
                 <a:solidFill>
                   <a:schemeClr val="tx1"/>
@@ -7598,7 +8640,7 @@
   <p:timing>
     <p:tnLst>
       <p:par>
-        <p:cTn id="1" dur="indefinite" restart="never" nodeType="tmRoot"/>
+        <p:cTn xmlns:p14="http://schemas.microsoft.com/office/powerpoint/2010/main" id="1" dur="indefinite" restart="never" nodeType="tmRoot"/>
       </p:par>
     </p:tnLst>
   </p:timing>
@@ -7736,7 +8778,7 @@
   <p:timing>
     <p:tnLst>
       <p:par>
-        <p:cTn id="1" dur="indefinite" restart="never" nodeType="tmRoot"/>
+        <p:cTn xmlns:p14="http://schemas.microsoft.com/office/powerpoint/2010/main" id="1" dur="indefinite" restart="never" nodeType="tmRoot"/>
       </p:par>
     </p:tnLst>
   </p:timing>
@@ -7822,7 +8864,7 @@
                   <a:t>. This turns out to be </a:t>
                 </a:r>
                 <a14:m>
-                  <m:oMath xmlns:m="http://schemas.openxmlformats.org/officeDocument/2006/math">
+                  <m:oMath xmlns:m="http://schemas.openxmlformats.org/officeDocument/2006/math" xmlns="">
                     <m:f>
                       <m:fPr>
                         <m:ctrlPr>
@@ -7945,14 +8987,14 @@
             <a:noFill/>
           </a:ln>
           <a:extLst>
-            <a:ext uri="{909E8E84-426E-40DD-AFC4-6F175D3DCCD1}">
+            <a:ext uri="{909E8E84-426E-40dd-AFC4-6F175D3DCCD1}">
               <a14:hiddenFill xmlns:a14="http://schemas.microsoft.com/office/drawing/2010/main">
                 <a:solidFill>
                   <a:schemeClr val="accent1"/>
                 </a:solidFill>
               </a14:hiddenFill>
             </a:ext>
-            <a:ext uri="{91240B29-F687-4F45-9708-019B960494DF}">
+            <a:ext uri="{91240B29-F687-4f45-9708-019B960494DF}">
               <a14:hiddenLine xmlns:a14="http://schemas.microsoft.com/office/drawing/2010/main" w="9525">
                 <a:solidFill>
                   <a:schemeClr val="tx1"/>
@@ -7978,7 +9020,7 @@
   <p:timing>
     <p:tnLst>
       <p:par>
-        <p:cTn id="1" dur="indefinite" restart="never" nodeType="tmRoot"/>
+        <p:cTn xmlns:p14="http://schemas.microsoft.com/office/powerpoint/2010/main" id="1" dur="indefinite" restart="never" nodeType="tmRoot"/>
       </p:par>
     </p:tnLst>
   </p:timing>
@@ -8169,14 +9211,14 @@
             <a:noFill/>
           </a:ln>
           <a:extLst>
-            <a:ext uri="{909E8E84-426E-40DD-AFC4-6F175D3DCCD1}">
+            <a:ext uri="{909E8E84-426E-40dd-AFC4-6F175D3DCCD1}">
               <a14:hiddenFill xmlns:a14="http://schemas.microsoft.com/office/drawing/2010/main">
                 <a:solidFill>
                   <a:schemeClr val="accent1"/>
                 </a:solidFill>
               </a14:hiddenFill>
             </a:ext>
-            <a:ext uri="{91240B29-F687-4F45-9708-019B960494DF}">
+            <a:ext uri="{91240B29-F687-4f45-9708-019B960494DF}">
               <a14:hiddenLine xmlns:a14="http://schemas.microsoft.com/office/drawing/2010/main" w="9525">
                 <a:solidFill>
                   <a:schemeClr val="tx1"/>
@@ -8232,7 +9274,7 @@
   <p:timing>
     <p:tnLst>
       <p:par>
-        <p:cTn id="1" dur="indefinite" restart="never" nodeType="tmRoot"/>
+        <p:cTn xmlns:p14="http://schemas.microsoft.com/office/powerpoint/2010/main" id="1" dur="indefinite" restart="never" nodeType="tmRoot"/>
       </p:par>
     </p:tnLst>
   </p:timing>
@@ -8351,14 +9393,14 @@
             <a:noFill/>
           </a:ln>
           <a:extLst>
-            <a:ext uri="{909E8E84-426E-40DD-AFC4-6F175D3DCCD1}">
+            <a:ext uri="{909E8E84-426E-40dd-AFC4-6F175D3DCCD1}">
               <a14:hiddenFill xmlns:a14="http://schemas.microsoft.com/office/drawing/2010/main">
                 <a:solidFill>
                   <a:schemeClr val="accent1"/>
                 </a:solidFill>
               </a14:hiddenFill>
             </a:ext>
-            <a:ext uri="{91240B29-F687-4F45-9708-019B960494DF}">
+            <a:ext uri="{91240B29-F687-4f45-9708-019B960494DF}">
               <a14:hiddenLine xmlns:a14="http://schemas.microsoft.com/office/drawing/2010/main" w="9525">
                 <a:solidFill>
                   <a:schemeClr val="tx1"/>
@@ -8414,7 +9456,7 @@
   <p:timing>
     <p:tnLst>
       <p:par>
-        <p:cTn id="1" dur="indefinite" restart="never" nodeType="tmRoot"/>
+        <p:cTn xmlns:p14="http://schemas.microsoft.com/office/powerpoint/2010/main" id="1" dur="indefinite" restart="never" nodeType="tmRoot"/>
       </p:par>
     </p:tnLst>
   </p:timing>
@@ -8560,14 +9602,14 @@
             <a:noFill/>
           </a:ln>
           <a:extLst>
-            <a:ext uri="{909E8E84-426E-40DD-AFC4-6F175D3DCCD1}">
+            <a:ext uri="{909E8E84-426E-40dd-AFC4-6F175D3DCCD1}">
               <a14:hiddenFill xmlns:a14="http://schemas.microsoft.com/office/drawing/2010/main">
                 <a:solidFill>
                   <a:schemeClr val="accent1"/>
                 </a:solidFill>
               </a14:hiddenFill>
             </a:ext>
-            <a:ext uri="{91240B29-F687-4F45-9708-019B960494DF}">
+            <a:ext uri="{91240B29-F687-4f45-9708-019B960494DF}">
               <a14:hiddenLine xmlns:a14="http://schemas.microsoft.com/office/drawing/2010/main" w="9525">
                 <a:solidFill>
                   <a:schemeClr val="tx1"/>
@@ -8614,14 +9656,14 @@
             <a:noFill/>
           </a:ln>
           <a:extLst>
-            <a:ext uri="{909E8E84-426E-40DD-AFC4-6F175D3DCCD1}">
+            <a:ext uri="{909E8E84-426E-40dd-AFC4-6F175D3DCCD1}">
               <a14:hiddenFill xmlns:a14="http://schemas.microsoft.com/office/drawing/2010/main">
                 <a:solidFill>
                   <a:schemeClr val="accent1"/>
                 </a:solidFill>
               </a14:hiddenFill>
             </a:ext>
-            <a:ext uri="{91240B29-F687-4F45-9708-019B960494DF}">
+            <a:ext uri="{91240B29-F687-4f45-9708-019B960494DF}">
               <a14:hiddenLine xmlns:a14="http://schemas.microsoft.com/office/drawing/2010/main" w="9525">
                 <a:solidFill>
                   <a:schemeClr val="tx1"/>
@@ -8668,14 +9710,14 @@
             <a:noFill/>
           </a:ln>
           <a:extLst>
-            <a:ext uri="{909E8E84-426E-40DD-AFC4-6F175D3DCCD1}">
+            <a:ext uri="{909E8E84-426E-40dd-AFC4-6F175D3DCCD1}">
               <a14:hiddenFill xmlns:a14="http://schemas.microsoft.com/office/drawing/2010/main">
                 <a:solidFill>
                   <a:schemeClr val="accent1"/>
                 </a:solidFill>
               </a14:hiddenFill>
             </a:ext>
-            <a:ext uri="{91240B29-F687-4F45-9708-019B960494DF}">
+            <a:ext uri="{91240B29-F687-4f45-9708-019B960494DF}">
               <a14:hiddenLine xmlns:a14="http://schemas.microsoft.com/office/drawing/2010/main" w="9525">
                 <a:solidFill>
                   <a:schemeClr val="tx1"/>
@@ -8756,14 +9798,14 @@
             <a:noFill/>
           </a:ln>
           <a:extLst>
-            <a:ext uri="{909E8E84-426E-40DD-AFC4-6F175D3DCCD1}">
+            <a:ext uri="{909E8E84-426E-40dd-AFC4-6F175D3DCCD1}">
               <a14:hiddenFill xmlns:a14="http://schemas.microsoft.com/office/drawing/2010/main">
                 <a:solidFill>
                   <a:schemeClr val="accent1"/>
                 </a:solidFill>
               </a14:hiddenFill>
             </a:ext>
-            <a:ext uri="{91240B29-F687-4F45-9708-019B960494DF}">
+            <a:ext uri="{91240B29-F687-4f45-9708-019B960494DF}">
               <a14:hiddenLine xmlns:a14="http://schemas.microsoft.com/office/drawing/2010/main" w="9525">
                 <a:solidFill>
                   <a:schemeClr val="tx1"/>
@@ -8810,14 +9852,14 @@
             <a:noFill/>
           </a:ln>
           <a:extLst>
-            <a:ext uri="{909E8E84-426E-40DD-AFC4-6F175D3DCCD1}">
+            <a:ext uri="{909E8E84-426E-40dd-AFC4-6F175D3DCCD1}">
               <a14:hiddenFill xmlns:a14="http://schemas.microsoft.com/office/drawing/2010/main">
                 <a:solidFill>
                   <a:schemeClr val="accent1"/>
                 </a:solidFill>
               </a14:hiddenFill>
             </a:ext>
-            <a:ext uri="{91240B29-F687-4F45-9708-019B960494DF}">
+            <a:ext uri="{91240B29-F687-4f45-9708-019B960494DF}">
               <a14:hiddenLine xmlns:a14="http://schemas.microsoft.com/office/drawing/2010/main" w="9525">
                 <a:solidFill>
                   <a:schemeClr val="tx1"/>
@@ -8843,7 +9885,7 @@
   <p:timing>
     <p:tnLst>
       <p:par>
-        <p:cTn id="1" dur="indefinite" restart="never" nodeType="tmRoot"/>
+        <p:cTn xmlns:p14="http://schemas.microsoft.com/office/powerpoint/2010/main" id="1" dur="indefinite" restart="never" nodeType="tmRoot"/>
       </p:par>
     </p:tnLst>
   </p:timing>

--- a/STAT3013 Project draft2.pptx
+++ b/STAT3013 Project draft2.pptx
@@ -5,7 +5,7 @@
     <p:sldMasterId id="2147483648" r:id="rId1"/>
   </p:sldMasterIdLst>
   <p:notesMasterIdLst>
-    <p:notesMasterId r:id="rId26"/>
+    <p:notesMasterId r:id="rId27"/>
   </p:notesMasterIdLst>
   <p:sldIdLst>
     <p:sldId id="256" r:id="rId2"/>
@@ -26,12 +26,13 @@
     <p:sldId id="273" r:id="rId17"/>
     <p:sldId id="274" r:id="rId18"/>
     <p:sldId id="258" r:id="rId19"/>
-    <p:sldId id="280" r:id="rId20"/>
-    <p:sldId id="259" r:id="rId21"/>
-    <p:sldId id="260" r:id="rId22"/>
-    <p:sldId id="261" r:id="rId23"/>
-    <p:sldId id="278" r:id="rId24"/>
-    <p:sldId id="279" r:id="rId25"/>
+    <p:sldId id="281" r:id="rId20"/>
+    <p:sldId id="280" r:id="rId21"/>
+    <p:sldId id="259" r:id="rId22"/>
+    <p:sldId id="260" r:id="rId23"/>
+    <p:sldId id="261" r:id="rId24"/>
+    <p:sldId id="278" r:id="rId25"/>
+    <p:sldId id="279" r:id="rId26"/>
   </p:sldIdLst>
   <p:sldSz cx="9144000" cy="6858000" type="screen4x3"/>
   <p:notesSz cx="6858000" cy="9144000"/>
@@ -1563,6 +1564,90 @@
     <p:extLst>
       <p:ext uri="{BB962C8B-B14F-4D97-AF65-F5344CB8AC3E}">
         <p14:creationId xmlns:p14="http://schemas.microsoft.com/office/powerpoint/2010/main" val="1705061339"/>
+      </p:ext>
+    </p:extLst>
+  </p:cSld>
+  <p:clrMapOvr>
+    <a:masterClrMapping/>
+  </p:clrMapOvr>
+</p:notes>
+</file>
+
+<file path=ppt/notesSlides/notesSlide16.xml><?xml version="1.0" encoding="utf-8"?>
+<p:notes xmlns:a="http://schemas.openxmlformats.org/drawingml/2006/main" xmlns:r="http://schemas.openxmlformats.org/officeDocument/2006/relationships" xmlns:p="http://schemas.openxmlformats.org/presentationml/2006/main">
+  <p:cSld>
+    <p:spTree>
+      <p:nvGrpSpPr>
+        <p:cNvPr id="1" name=""/>
+        <p:cNvGrpSpPr/>
+        <p:nvPr/>
+      </p:nvGrpSpPr>
+      <p:grpSpPr>
+        <a:xfrm>
+          <a:off x="0" y="0"/>
+          <a:ext cx="0" cy="0"/>
+          <a:chOff x="0" y="0"/>
+          <a:chExt cx="0" cy="0"/>
+        </a:xfrm>
+      </p:grpSpPr>
+      <p:sp>
+        <p:nvSpPr>
+          <p:cNvPr id="2" name="Slide Image Placeholder 1"/>
+          <p:cNvSpPr>
+            <a:spLocks noGrp="1" noRot="1" noChangeAspect="1"/>
+          </p:cNvSpPr>
+          <p:nvPr>
+            <p:ph type="sldImg"/>
+          </p:nvPr>
+        </p:nvSpPr>
+        <p:spPr/>
+      </p:sp>
+      <p:sp>
+        <p:nvSpPr>
+          <p:cNvPr id="3" name="Notes Placeholder 2"/>
+          <p:cNvSpPr>
+            <a:spLocks noGrp="1"/>
+          </p:cNvSpPr>
+          <p:nvPr>
+            <p:ph type="body" idx="1"/>
+          </p:nvPr>
+        </p:nvSpPr>
+        <p:spPr/>
+        <p:txBody>
+          <a:bodyPr/>
+          <a:lstStyle/>
+          <a:p>
+            <a:endParaRPr lang="en-US" dirty="0"/>
+          </a:p>
+        </p:txBody>
+      </p:sp>
+      <p:sp>
+        <p:nvSpPr>
+          <p:cNvPr id="4" name="Slide Number Placeholder 3"/>
+          <p:cNvSpPr>
+            <a:spLocks noGrp="1"/>
+          </p:cNvSpPr>
+          <p:nvPr>
+            <p:ph type="sldNum" sz="quarter" idx="10"/>
+          </p:nvPr>
+        </p:nvSpPr>
+        <p:spPr/>
+        <p:txBody>
+          <a:bodyPr/>
+          <a:lstStyle/>
+          <a:p>
+            <a:fld id="{D795D3F8-AA5B-4E58-9602-70EDB6AF1C76}" type="slidenum">
+              <a:rPr lang="en-AU" smtClean="0"/>
+              <a:t>19</a:t>
+            </a:fld>
+            <a:endParaRPr lang="en-AU"/>
+          </a:p>
+        </p:txBody>
+      </p:sp>
+    </p:spTree>
+    <p:extLst>
+      <p:ext uri="{BB962C8B-B14F-4D97-AF65-F5344CB8AC3E}">
+        <p14:creationId xmlns:p14="http://schemas.microsoft.com/office/powerpoint/2010/main" val="3513538284"/>
       </p:ext>
     </p:extLst>
   </p:cSld>
@@ -7530,7 +7615,7 @@
           <a:p>
             <a:r>
               <a:rPr lang="en-US" dirty="0" smtClean="0"/>
-              <a:t>Extension - Results</a:t>
+              <a:t>Extension – Results</a:t>
             </a:r>
             <a:endParaRPr lang="en-US" dirty="0"/>
           </a:p>
@@ -7548,27 +7633,90 @@
         </p:nvSpPr>
         <p:spPr/>
         <p:txBody>
-          <a:bodyPr/>
+          <a:bodyPr>
+            <a:normAutofit lnSpcReduction="10000"/>
+          </a:bodyPr>
           <a:lstStyle/>
           <a:p>
             <a:r>
               <a:rPr lang="en-US" dirty="0" smtClean="0"/>
-              <a:t>Clustering around Byron Bay and Lismore, around Sunshine Coast Hinterland, </a:t>
-            </a:r>
-          </a:p>
-          <a:p>
-            <a:r>
-              <a:rPr lang="en-US" smtClean="0"/>
-              <a:t>Expand</a:t>
-            </a:r>
-            <a:endParaRPr lang="en-US"/>
+              <a:t>Show them the maps in </a:t>
+            </a:r>
+            <a:r>
+              <a:rPr lang="en-US" dirty="0"/>
+              <a:t>the browser: </a:t>
+            </a:r>
+            <a:r>
+              <a:rPr lang="en-US" dirty="0">
+                <a:hlinkClick r:id="rId3"/>
+              </a:rPr>
+              <a:t>https://www.google.com/fusiontables/DataSource?docid=</a:t>
+            </a:r>
+            <a:r>
+              <a:rPr lang="en-US" dirty="0" smtClean="0">
+                <a:hlinkClick r:id="rId3"/>
+              </a:rPr>
+              <a:t>17me8Z4Cg99E9f7j0dgDGWB34yOi0AMfYTTQ8QugL</a:t>
+            </a:r>
+            <a:endParaRPr lang="en-US" dirty="0" smtClean="0"/>
+          </a:p>
+          <a:p>
+            <a:r>
+              <a:rPr lang="en-US" dirty="0" smtClean="0">
+                <a:hlinkClick r:id="rId4"/>
+              </a:rPr>
+              <a:t>RRF – BYM</a:t>
+            </a:r>
+            <a:endParaRPr lang="en-US" dirty="0" smtClean="0"/>
+          </a:p>
+          <a:p>
+            <a:r>
+              <a:rPr lang="en-US" dirty="0" smtClean="0">
+                <a:hlinkClick r:id="rId5"/>
+              </a:rPr>
+              <a:t>RRF – iid</a:t>
+            </a:r>
+            <a:endParaRPr lang="en-US" dirty="0" smtClean="0"/>
+          </a:p>
+          <a:p>
+            <a:r>
+              <a:rPr lang="en-US" dirty="0" smtClean="0">
+                <a:hlinkClick r:id="rId6"/>
+              </a:rPr>
+              <a:t>UHExceedence – BYM</a:t>
+            </a:r>
+            <a:endParaRPr lang="en-US" dirty="0" smtClean="0"/>
+          </a:p>
+          <a:p>
+            <a:r>
+              <a:rPr lang="en-US" dirty="0" err="1" smtClean="0">
+                <a:hlinkClick r:id="rId7"/>
+              </a:rPr>
+              <a:t>UHExceedence</a:t>
+            </a:r>
+            <a:r>
+              <a:rPr lang="en-US" dirty="0" smtClean="0">
+                <a:hlinkClick r:id="rId7"/>
+              </a:rPr>
+              <a:t> - </a:t>
+            </a:r>
+            <a:r>
+              <a:rPr lang="en-US" dirty="0" err="1" smtClean="0">
+                <a:hlinkClick r:id="rId7"/>
+              </a:rPr>
+              <a:t>iid</a:t>
+            </a:r>
+            <a:endParaRPr lang="en-US" dirty="0" smtClean="0"/>
+          </a:p>
+          <a:p>
+            <a:endParaRPr lang="en-US" dirty="0"/>
           </a:p>
         </p:txBody>
       </p:sp>
     </p:spTree>
     <p:extLst>
       <p:ext uri="{BB962C8B-B14F-4D97-AF65-F5344CB8AC3E}">
-        <p14:creationId xmlns:p14="http://schemas.microsoft.com/office/powerpoint/2010/main" val="3804757622"/>
+        <p14:creationId xmlns:p14="http://schemas.microsoft.com/office/powerpoint/2010/main" val="818226595"/>
       </p:ext>
     </p:extLst>
   </p:cSld>
@@ -7755,16 +7903,14 @@
         </p:nvSpPr>
         <p:spPr/>
         <p:txBody>
-          <a:bodyPr>
-            <a:normAutofit fontScale="90000"/>
-          </a:bodyPr>
-          <a:lstStyle/>
-          <a:p>
-            <a:r>
-              <a:rPr lang="en-AU" dirty="0" smtClean="0"/>
-              <a:t>Extension – Comparisons between models</a:t>
-            </a:r>
-            <a:endParaRPr lang="en-AU" dirty="0"/>
+          <a:bodyPr/>
+          <a:lstStyle/>
+          <a:p>
+            <a:r>
+              <a:rPr lang="en-US" dirty="0" smtClean="0"/>
+              <a:t>Extension - Results</a:t>
+            </a:r>
+            <a:endParaRPr lang="en-US" dirty="0"/>
           </a:p>
         </p:txBody>
       </p:sp>
@@ -7784,30 +7930,29 @@
           <a:lstStyle/>
           <a:p>
             <a:r>
-              <a:rPr lang="en-AU" dirty="0" smtClean="0"/>
-              <a:t>DIC and WAIC</a:t>
-            </a:r>
-            <a:endParaRPr lang="en-AU" dirty="0"/>
+              <a:rPr lang="en-US" dirty="0" smtClean="0"/>
+              <a:t>Clustering around Byron Bay and Lismore, around Sunshine Coast Hinterland, </a:t>
+            </a:r>
+          </a:p>
+          <a:p>
+            <a:r>
+              <a:rPr lang="en-US" dirty="0" smtClean="0"/>
+              <a:t>Expand</a:t>
+            </a:r>
+            <a:endParaRPr lang="en-US" dirty="0"/>
           </a:p>
         </p:txBody>
       </p:sp>
     </p:spTree>
     <p:extLst>
       <p:ext uri="{BB962C8B-B14F-4D97-AF65-F5344CB8AC3E}">
-        <p14:creationId xmlns:p14="http://schemas.microsoft.com/office/powerpoint/2010/main" val="2681593947"/>
+        <p14:creationId xmlns:p14="http://schemas.microsoft.com/office/powerpoint/2010/main" val="3804757622"/>
       </p:ext>
     </p:extLst>
   </p:cSld>
   <p:clrMapOvr>
     <a:masterClrMapping/>
   </p:clrMapOvr>
-  <p:timing>
-    <p:tnLst>
-      <p:par>
-        <p:cTn xmlns:p14="http://schemas.microsoft.com/office/powerpoint/2010/main" id="1" dur="indefinite" restart="never" nodeType="tmRoot"/>
-      </p:par>
-    </p:tnLst>
-  </p:timing>
 </p:sld>
 </file>
 
@@ -7840,12 +7985,14 @@
         </p:nvSpPr>
         <p:spPr/>
         <p:txBody>
-          <a:bodyPr/>
+          <a:bodyPr>
+            <a:normAutofit fontScale="90000"/>
+          </a:bodyPr>
           <a:lstStyle/>
           <a:p>
             <a:r>
               <a:rPr lang="en-AU" dirty="0" smtClean="0"/>
-              <a:t>Extension - Limitations</a:t>
+              <a:t>Extension – Comparisons between models</a:t>
             </a:r>
             <a:endParaRPr lang="en-AU" dirty="0"/>
           </a:p>
@@ -7868,23 +8015,7 @@
           <a:p>
             <a:r>
               <a:rPr lang="en-AU" dirty="0" smtClean="0"/>
-              <a:t>Large numbers of postal codes, data not published</a:t>
-            </a:r>
-          </a:p>
-          <a:p>
-            <a:r>
-              <a:rPr lang="en-AU" dirty="0" smtClean="0"/>
-              <a:t>Sparseness</a:t>
-            </a:r>
-          </a:p>
-          <a:p>
-            <a:r>
-              <a:rPr lang="en-AU" dirty="0" smtClean="0"/>
-              <a:t>The BYM model would be best for exactly the dat</a:t>
-            </a:r>
-            <a:r>
-              <a:rPr lang="en-AU" dirty="0" smtClean="0"/>
-              <a:t>a that was not published</a:t>
+              <a:t>DIC and WAIC</a:t>
             </a:r>
             <a:endParaRPr lang="en-AU" dirty="0"/>
           </a:p>
@@ -7893,7 +8024,7 @@
     </p:spTree>
     <p:extLst>
       <p:ext uri="{BB962C8B-B14F-4D97-AF65-F5344CB8AC3E}">
-        <p14:creationId xmlns:p14="http://schemas.microsoft.com/office/powerpoint/2010/main" val="1206465995"/>
+        <p14:creationId xmlns:p14="http://schemas.microsoft.com/office/powerpoint/2010/main" val="2681593947"/>
       </p:ext>
     </p:extLst>
   </p:cSld>
@@ -7944,7 +8075,7 @@
           <a:p>
             <a:r>
               <a:rPr lang="en-AU" dirty="0" smtClean="0"/>
-              <a:t>Summary</a:t>
+              <a:t>Extension - Limitations</a:t>
             </a:r>
             <a:endParaRPr lang="en-AU" dirty="0"/>
           </a:p>
@@ -7965,14 +8096,34 @@
           <a:bodyPr/>
           <a:lstStyle/>
           <a:p>
-            <a:endParaRPr lang="en-AU"/>
+            <a:r>
+              <a:rPr lang="en-AU" dirty="0" smtClean="0"/>
+              <a:t>Large numbers of postal codes, data not published</a:t>
+            </a:r>
+          </a:p>
+          <a:p>
+            <a:r>
+              <a:rPr lang="en-AU" dirty="0" smtClean="0"/>
+              <a:t>Sparseness</a:t>
+            </a:r>
+          </a:p>
+          <a:p>
+            <a:r>
+              <a:rPr lang="en-AU" dirty="0" smtClean="0"/>
+              <a:t>The BYM model would be best for exactly the dat</a:t>
+            </a:r>
+            <a:r>
+              <a:rPr lang="en-AU" dirty="0" smtClean="0"/>
+              <a:t>a that was not published</a:t>
+            </a:r>
+            <a:endParaRPr lang="en-AU" dirty="0"/>
           </a:p>
         </p:txBody>
       </p:sp>
     </p:spTree>
     <p:extLst>
       <p:ext uri="{BB962C8B-B14F-4D97-AF65-F5344CB8AC3E}">
-        <p14:creationId xmlns:p14="http://schemas.microsoft.com/office/powerpoint/2010/main" val="4008910675"/>
+        <p14:creationId xmlns:p14="http://schemas.microsoft.com/office/powerpoint/2010/main" val="1206465995"/>
       </p:ext>
     </p:extLst>
   </p:cSld>
@@ -8022,6 +8173,85 @@
           <a:lstStyle/>
           <a:p>
             <a:r>
+              <a:rPr lang="en-AU" dirty="0" smtClean="0"/>
+              <a:t>Summary</a:t>
+            </a:r>
+            <a:endParaRPr lang="en-AU" dirty="0"/>
+          </a:p>
+        </p:txBody>
+      </p:sp>
+      <p:sp>
+        <p:nvSpPr>
+          <p:cNvPr id="3" name="Content Placeholder 2"/>
+          <p:cNvSpPr>
+            <a:spLocks noGrp="1"/>
+          </p:cNvSpPr>
+          <p:nvPr>
+            <p:ph idx="1"/>
+          </p:nvPr>
+        </p:nvSpPr>
+        <p:spPr/>
+        <p:txBody>
+          <a:bodyPr/>
+          <a:lstStyle/>
+          <a:p>
+            <a:endParaRPr lang="en-AU"/>
+          </a:p>
+        </p:txBody>
+      </p:sp>
+    </p:spTree>
+    <p:extLst>
+      <p:ext uri="{BB962C8B-B14F-4D97-AF65-F5344CB8AC3E}">
+        <p14:creationId xmlns:p14="http://schemas.microsoft.com/office/powerpoint/2010/main" val="4008910675"/>
+      </p:ext>
+    </p:extLst>
+  </p:cSld>
+  <p:clrMapOvr>
+    <a:masterClrMapping/>
+  </p:clrMapOvr>
+  <p:timing>
+    <p:tnLst>
+      <p:par>
+        <p:cTn xmlns:p14="http://schemas.microsoft.com/office/powerpoint/2010/main" id="1" dur="indefinite" restart="never" nodeType="tmRoot"/>
+      </p:par>
+    </p:tnLst>
+  </p:timing>
+</p:sld>
+</file>
+
+<file path=ppt/slides/slide24.xml><?xml version="1.0" encoding="utf-8"?>
+<p:sld xmlns:a="http://schemas.openxmlformats.org/drawingml/2006/main" xmlns:r="http://schemas.openxmlformats.org/officeDocument/2006/relationships" xmlns:p="http://schemas.openxmlformats.org/presentationml/2006/main">
+  <p:cSld>
+    <p:spTree>
+      <p:nvGrpSpPr>
+        <p:cNvPr id="1" name=""/>
+        <p:cNvGrpSpPr/>
+        <p:nvPr/>
+      </p:nvGrpSpPr>
+      <p:grpSpPr>
+        <a:xfrm>
+          <a:off x="0" y="0"/>
+          <a:ext cx="0" cy="0"/>
+          <a:chOff x="0" y="0"/>
+          <a:chExt cx="0" cy="0"/>
+        </a:xfrm>
+      </p:grpSpPr>
+      <p:sp>
+        <p:nvSpPr>
+          <p:cNvPr id="2" name="Title 1"/>
+          <p:cNvSpPr>
+            <a:spLocks noGrp="1"/>
+          </p:cNvSpPr>
+          <p:nvPr>
+            <p:ph type="title"/>
+          </p:nvPr>
+        </p:nvSpPr>
+        <p:spPr/>
+        <p:txBody>
+          <a:bodyPr/>
+          <a:lstStyle/>
+          <a:p>
+            <a:r>
               <a:rPr lang="en-US" dirty="0" smtClean="0"/>
               <a:t>References</a:t>
             </a:r>
@@ -8090,7 +8320,7 @@
 </p:sld>
 </file>
 
-<file path=ppt/slides/slide24.xml><?xml version="1.0" encoding="utf-8"?>
+<file path=ppt/slides/slide25.xml><?xml version="1.0" encoding="utf-8"?>
 <p:sld xmlns:a="http://schemas.openxmlformats.org/drawingml/2006/main" xmlns:r="http://schemas.openxmlformats.org/officeDocument/2006/relationships" xmlns:p="http://schemas.openxmlformats.org/presentationml/2006/main">
   <p:cSld>
     <p:spTree>
